--- a/omic_analysis/组学分析功能页面参考.pptx
+++ b/omic_analysis/组学分析功能页面参考.pptx
@@ -251,7 +251,7 @@
           <a:p>
             <a:fld id="{3E73DA82-0082-2445-BF22-418BB184E2E3}" type="datetimeFigureOut">
               <a:rPr kumimoji="1" lang="zh-CN" altLang="en-US" smtClean="0"/>
-              <a:t>2024/1/10</a:t>
+              <a:t>2024/1/14</a:t>
             </a:fld>
             <a:endParaRPr kumimoji="1" lang="zh-CN" altLang="en-US"/>
           </a:p>
@@ -421,7 +421,7 @@
           <a:p>
             <a:fld id="{3E73DA82-0082-2445-BF22-418BB184E2E3}" type="datetimeFigureOut">
               <a:rPr kumimoji="1" lang="zh-CN" altLang="en-US" smtClean="0"/>
-              <a:t>2024/1/10</a:t>
+              <a:t>2024/1/14</a:t>
             </a:fld>
             <a:endParaRPr kumimoji="1" lang="zh-CN" altLang="en-US"/>
           </a:p>
@@ -601,7 +601,7 @@
           <a:p>
             <a:fld id="{3E73DA82-0082-2445-BF22-418BB184E2E3}" type="datetimeFigureOut">
               <a:rPr kumimoji="1" lang="zh-CN" altLang="en-US" smtClean="0"/>
-              <a:t>2024/1/10</a:t>
+              <a:t>2024/1/14</a:t>
             </a:fld>
             <a:endParaRPr kumimoji="1" lang="zh-CN" altLang="en-US"/>
           </a:p>
@@ -771,7 +771,7 @@
           <a:p>
             <a:fld id="{3E73DA82-0082-2445-BF22-418BB184E2E3}" type="datetimeFigureOut">
               <a:rPr kumimoji="1" lang="zh-CN" altLang="en-US" smtClean="0"/>
-              <a:t>2024/1/10</a:t>
+              <a:t>2024/1/14</a:t>
             </a:fld>
             <a:endParaRPr kumimoji="1" lang="zh-CN" altLang="en-US"/>
           </a:p>
@@ -1015,7 +1015,7 @@
           <a:p>
             <a:fld id="{3E73DA82-0082-2445-BF22-418BB184E2E3}" type="datetimeFigureOut">
               <a:rPr kumimoji="1" lang="zh-CN" altLang="en-US" smtClean="0"/>
-              <a:t>2024/1/10</a:t>
+              <a:t>2024/1/14</a:t>
             </a:fld>
             <a:endParaRPr kumimoji="1" lang="zh-CN" altLang="en-US"/>
           </a:p>
@@ -1247,7 +1247,7 @@
           <a:p>
             <a:fld id="{3E73DA82-0082-2445-BF22-418BB184E2E3}" type="datetimeFigureOut">
               <a:rPr kumimoji="1" lang="zh-CN" altLang="en-US" smtClean="0"/>
-              <a:t>2024/1/10</a:t>
+              <a:t>2024/1/14</a:t>
             </a:fld>
             <a:endParaRPr kumimoji="1" lang="zh-CN" altLang="en-US"/>
           </a:p>
@@ -1614,7 +1614,7 @@
           <a:p>
             <a:fld id="{3E73DA82-0082-2445-BF22-418BB184E2E3}" type="datetimeFigureOut">
               <a:rPr kumimoji="1" lang="zh-CN" altLang="en-US" smtClean="0"/>
-              <a:t>2024/1/10</a:t>
+              <a:t>2024/1/14</a:t>
             </a:fld>
             <a:endParaRPr kumimoji="1" lang="zh-CN" altLang="en-US"/>
           </a:p>
@@ -1732,7 +1732,7 @@
           <a:p>
             <a:fld id="{3E73DA82-0082-2445-BF22-418BB184E2E3}" type="datetimeFigureOut">
               <a:rPr kumimoji="1" lang="zh-CN" altLang="en-US" smtClean="0"/>
-              <a:t>2024/1/10</a:t>
+              <a:t>2024/1/14</a:t>
             </a:fld>
             <a:endParaRPr kumimoji="1" lang="zh-CN" altLang="en-US"/>
           </a:p>
@@ -1827,7 +1827,7 @@
           <a:p>
             <a:fld id="{3E73DA82-0082-2445-BF22-418BB184E2E3}" type="datetimeFigureOut">
               <a:rPr kumimoji="1" lang="zh-CN" altLang="en-US" smtClean="0"/>
-              <a:t>2024/1/10</a:t>
+              <a:t>2024/1/14</a:t>
             </a:fld>
             <a:endParaRPr kumimoji="1" lang="zh-CN" altLang="en-US"/>
           </a:p>
@@ -2104,7 +2104,7 @@
           <a:p>
             <a:fld id="{3E73DA82-0082-2445-BF22-418BB184E2E3}" type="datetimeFigureOut">
               <a:rPr kumimoji="1" lang="zh-CN" altLang="en-US" smtClean="0"/>
-              <a:t>2024/1/10</a:t>
+              <a:t>2024/1/14</a:t>
             </a:fld>
             <a:endParaRPr kumimoji="1" lang="zh-CN" altLang="en-US"/>
           </a:p>
@@ -2361,7 +2361,7 @@
           <a:p>
             <a:fld id="{3E73DA82-0082-2445-BF22-418BB184E2E3}" type="datetimeFigureOut">
               <a:rPr kumimoji="1" lang="zh-CN" altLang="en-US" smtClean="0"/>
-              <a:t>2024/1/10</a:t>
+              <a:t>2024/1/14</a:t>
             </a:fld>
             <a:endParaRPr kumimoji="1" lang="zh-CN" altLang="en-US"/>
           </a:p>
@@ -2574,7 +2574,7 @@
           <a:p>
             <a:fld id="{3E73DA82-0082-2445-BF22-418BB184E2E3}" type="datetimeFigureOut">
               <a:rPr kumimoji="1" lang="zh-CN" altLang="en-US" smtClean="0"/>
-              <a:t>2024/1/10</a:t>
+              <a:t>2024/1/14</a:t>
             </a:fld>
             <a:endParaRPr kumimoji="1" lang="zh-CN" altLang="en-US"/>
           </a:p>
@@ -26975,6 +26975,198 @@
           </a:p>
         </p:txBody>
       </p:sp>
+      <p:sp>
+        <p:nvSpPr>
+          <p:cNvPr id="15" name="矩形 14">
+            <a:extLst>
+              <a:ext uri="{FF2B5EF4-FFF2-40B4-BE49-F238E27FC236}">
+                <a16:creationId xmlns:a16="http://schemas.microsoft.com/office/drawing/2014/main" id="{6440C03F-0547-2B69-F77D-64C1B0441EC5}"/>
+              </a:ext>
+            </a:extLst>
+          </p:cNvPr>
+          <p:cNvSpPr/>
+          <p:nvPr/>
+        </p:nvSpPr>
+        <p:spPr>
+          <a:xfrm>
+            <a:off x="339375" y="1742706"/>
+            <a:ext cx="11480800" cy="14188821"/>
+          </a:xfrm>
+          <a:prstGeom prst="rect">
+            <a:avLst/>
+          </a:prstGeom>
+          <a:solidFill>
+            <a:schemeClr val="bg1"/>
+          </a:solidFill>
+          <a:ln w="6350">
+            <a:noFill/>
+          </a:ln>
+        </p:spPr>
+        <p:style>
+          <a:lnRef idx="2">
+            <a:schemeClr val="accent1">
+              <a:shade val="50000"/>
+            </a:schemeClr>
+          </a:lnRef>
+          <a:fillRef idx="1">
+            <a:schemeClr val="accent1"/>
+          </a:fillRef>
+          <a:effectRef idx="0">
+            <a:schemeClr val="accent1"/>
+          </a:effectRef>
+          <a:fontRef idx="minor">
+            <a:schemeClr val="lt1"/>
+          </a:fontRef>
+        </p:style>
+        <p:txBody>
+          <a:bodyPr rtlCol="0" anchor="ctr"/>
+          <a:lstStyle/>
+          <a:p>
+            <a:pPr marL="0" marR="0" lvl="0" indent="0" algn="ctr" defTabSz="914433" rtl="0" eaLnBrk="1" fontAlgn="auto" latinLnBrk="0" hangingPunct="1">
+              <a:lnSpc>
+                <a:spcPct val="100000"/>
+              </a:lnSpc>
+              <a:spcBef>
+                <a:spcPts val="0"/>
+              </a:spcBef>
+              <a:spcAft>
+                <a:spcPts val="0"/>
+              </a:spcAft>
+              <a:buClrTx/>
+              <a:buSzTx/>
+              <a:buFontTx/>
+              <a:buNone/>
+              <a:tabLst/>
+              <a:defRPr/>
+            </a:pPr>
+            <a:endParaRPr kumimoji="0" lang="en-US" altLang="zh-CN" sz="1600" b="1" i="0" u="none" strike="noStrike" kern="1200" cap="none" spc="0" normalizeH="0" baseline="0" noProof="0" dirty="0">
+              <a:ln>
+                <a:noFill/>
+              </a:ln>
+              <a:solidFill>
+                <a:srgbClr val="4472C4">
+                  <a:lumMod val="75000"/>
+                </a:srgbClr>
+              </a:solidFill>
+              <a:effectLst/>
+              <a:uLnTx/>
+              <a:uFillTx/>
+              <a:latin typeface="微软雅黑" panose="020B0503020204020204" pitchFamily="34" charset="-122"/>
+              <a:ea typeface="微软雅黑" panose="020B0503020204020204" pitchFamily="34" charset="-122"/>
+              <a:cs typeface="+mn-cs"/>
+              <a:sym typeface="微软雅黑" panose="020B0503020204020204" pitchFamily="34" charset="-122"/>
+            </a:endParaRPr>
+          </a:p>
+          <a:p>
+            <a:pPr marL="0" marR="0" lvl="0" indent="0" algn="ctr" defTabSz="914433" rtl="0" eaLnBrk="1" fontAlgn="auto" latinLnBrk="0" hangingPunct="1">
+              <a:lnSpc>
+                <a:spcPct val="100000"/>
+              </a:lnSpc>
+              <a:spcBef>
+                <a:spcPts val="0"/>
+              </a:spcBef>
+              <a:spcAft>
+                <a:spcPts val="0"/>
+              </a:spcAft>
+              <a:buClrTx/>
+              <a:buSzTx/>
+              <a:buFontTx/>
+              <a:buNone/>
+              <a:tabLst/>
+              <a:defRPr/>
+            </a:pPr>
+            <a:endParaRPr kumimoji="0" lang="en-US" altLang="zh-CN" sz="1600" b="1" i="0" u="none" strike="noStrike" kern="1200" cap="none" spc="0" normalizeH="0" baseline="0" noProof="0" dirty="0">
+              <a:ln>
+                <a:noFill/>
+              </a:ln>
+              <a:solidFill>
+                <a:srgbClr val="4472C4">
+                  <a:lumMod val="75000"/>
+                </a:srgbClr>
+              </a:solidFill>
+              <a:effectLst/>
+              <a:uLnTx/>
+              <a:uFillTx/>
+              <a:latin typeface="微软雅黑" panose="020B0503020204020204" pitchFamily="34" charset="-122"/>
+              <a:ea typeface="微软雅黑" panose="020B0503020204020204" pitchFamily="34" charset="-122"/>
+              <a:cs typeface="+mn-cs"/>
+              <a:sym typeface="微软雅黑" panose="020B0503020204020204" pitchFamily="34" charset="-122"/>
+            </a:endParaRPr>
+          </a:p>
+          <a:p>
+            <a:pPr marL="0" marR="0" lvl="0" indent="0" algn="ctr" defTabSz="914433" rtl="0" eaLnBrk="1" fontAlgn="auto" latinLnBrk="0" hangingPunct="1">
+              <a:lnSpc>
+                <a:spcPct val="100000"/>
+              </a:lnSpc>
+              <a:spcBef>
+                <a:spcPts val="0"/>
+              </a:spcBef>
+              <a:spcAft>
+                <a:spcPts val="0"/>
+              </a:spcAft>
+              <a:buClrTx/>
+              <a:buSzTx/>
+              <a:buFontTx/>
+              <a:buNone/>
+              <a:tabLst/>
+              <a:defRPr/>
+            </a:pPr>
+            <a:endParaRPr kumimoji="0" lang="en-US" altLang="zh-CN" sz="1600" b="1" i="0" u="none" strike="noStrike" kern="1200" cap="none" spc="0" normalizeH="0" baseline="0" noProof="0" dirty="0">
+              <a:ln>
+                <a:noFill/>
+              </a:ln>
+              <a:solidFill>
+                <a:srgbClr val="4472C4">
+                  <a:lumMod val="75000"/>
+                </a:srgbClr>
+              </a:solidFill>
+              <a:effectLst/>
+              <a:uLnTx/>
+              <a:uFillTx/>
+              <a:latin typeface="微软雅黑" panose="020B0503020204020204" pitchFamily="34" charset="-122"/>
+              <a:ea typeface="微软雅黑" panose="020B0503020204020204" pitchFamily="34" charset="-122"/>
+              <a:cs typeface="+mn-cs"/>
+              <a:sym typeface="微软雅黑" panose="020B0503020204020204" pitchFamily="34" charset="-122"/>
+            </a:endParaRPr>
+          </a:p>
+          <a:p>
+            <a:pPr marL="0" marR="0" lvl="0" indent="0" algn="ctr" defTabSz="914433" rtl="0" eaLnBrk="1" fontAlgn="auto" latinLnBrk="0" hangingPunct="1">
+              <a:lnSpc>
+                <a:spcPct val="100000"/>
+              </a:lnSpc>
+              <a:spcBef>
+                <a:spcPts val="0"/>
+              </a:spcBef>
+              <a:spcAft>
+                <a:spcPts val="0"/>
+              </a:spcAft>
+              <a:buClrTx/>
+              <a:buSzTx/>
+              <a:buFontTx/>
+              <a:buNone/>
+              <a:tabLst/>
+              <a:defRPr/>
+            </a:pPr>
+            <a:endParaRPr kumimoji="0" lang="en-US" altLang="zh-CN" sz="1600" b="1" i="0" u="none" strike="noStrike" kern="1200" cap="none" spc="0" normalizeH="0" baseline="0" noProof="0" dirty="0">
+              <a:ln>
+                <a:noFill/>
+              </a:ln>
+              <a:solidFill>
+                <a:srgbClr val="4472C4">
+                  <a:lumMod val="75000"/>
+                </a:srgbClr>
+              </a:solidFill>
+              <a:effectLst/>
+              <a:uLnTx/>
+              <a:uFillTx/>
+              <a:latin typeface="微软雅黑" panose="020B0503020204020204" pitchFamily="34" charset="-122"/>
+              <a:ea typeface="微软雅黑" panose="020B0503020204020204" pitchFamily="34" charset="-122"/>
+              <a:cs typeface="+mn-cs"/>
+              <a:sym typeface="微软雅黑" panose="020B0503020204020204" pitchFamily="34" charset="-122"/>
+            </a:endParaRPr>
+          </a:p>
+        </p:txBody>
+      </p:sp>
     </p:spTree>
     <p:extLst>
       <p:ext uri="{BB962C8B-B14F-4D97-AF65-F5344CB8AC3E}">
@@ -27988,198 +28180,6 @@
       </p:sp>
       <p:sp>
         <p:nvSpPr>
-          <p:cNvPr id="28" name="矩形 27">
-            <a:extLst>
-              <a:ext uri="{FF2B5EF4-FFF2-40B4-BE49-F238E27FC236}">
-                <a16:creationId xmlns:a16="http://schemas.microsoft.com/office/drawing/2014/main" id="{308E31DC-6054-F39E-1A74-D3971D46A0FD}"/>
-              </a:ext>
-            </a:extLst>
-          </p:cNvPr>
-          <p:cNvSpPr/>
-          <p:nvPr/>
-        </p:nvSpPr>
-        <p:spPr>
-          <a:xfrm>
-            <a:off x="339375" y="1742706"/>
-            <a:ext cx="11480800" cy="14188821"/>
-          </a:xfrm>
-          <a:prstGeom prst="rect">
-            <a:avLst/>
-          </a:prstGeom>
-          <a:solidFill>
-            <a:schemeClr val="bg1"/>
-          </a:solidFill>
-          <a:ln w="6350">
-            <a:noFill/>
-          </a:ln>
-        </p:spPr>
-        <p:style>
-          <a:lnRef idx="2">
-            <a:schemeClr val="accent1">
-              <a:shade val="50000"/>
-            </a:schemeClr>
-          </a:lnRef>
-          <a:fillRef idx="1">
-            <a:schemeClr val="accent1"/>
-          </a:fillRef>
-          <a:effectRef idx="0">
-            <a:schemeClr val="accent1"/>
-          </a:effectRef>
-          <a:fontRef idx="minor">
-            <a:schemeClr val="lt1"/>
-          </a:fontRef>
-        </p:style>
-        <p:txBody>
-          <a:bodyPr rtlCol="0" anchor="ctr"/>
-          <a:lstStyle/>
-          <a:p>
-            <a:pPr marL="0" marR="0" lvl="0" indent="0" algn="ctr" defTabSz="914433" rtl="0" eaLnBrk="1" fontAlgn="auto" latinLnBrk="0" hangingPunct="1">
-              <a:lnSpc>
-                <a:spcPct val="100000"/>
-              </a:lnSpc>
-              <a:spcBef>
-                <a:spcPts val="0"/>
-              </a:spcBef>
-              <a:spcAft>
-                <a:spcPts val="0"/>
-              </a:spcAft>
-              <a:buClrTx/>
-              <a:buSzTx/>
-              <a:buFontTx/>
-              <a:buNone/>
-              <a:tabLst/>
-              <a:defRPr/>
-            </a:pPr>
-            <a:endParaRPr kumimoji="0" lang="en-US" altLang="zh-CN" sz="1600" b="1" i="0" u="none" strike="noStrike" kern="1200" cap="none" spc="0" normalizeH="0" baseline="0" noProof="0" dirty="0">
-              <a:ln>
-                <a:noFill/>
-              </a:ln>
-              <a:solidFill>
-                <a:srgbClr val="4472C4">
-                  <a:lumMod val="75000"/>
-                </a:srgbClr>
-              </a:solidFill>
-              <a:effectLst/>
-              <a:uLnTx/>
-              <a:uFillTx/>
-              <a:latin typeface="微软雅黑" panose="020B0503020204020204" pitchFamily="34" charset="-122"/>
-              <a:ea typeface="微软雅黑" panose="020B0503020204020204" pitchFamily="34" charset="-122"/>
-              <a:cs typeface="+mn-cs"/>
-              <a:sym typeface="微软雅黑" panose="020B0503020204020204" pitchFamily="34" charset="-122"/>
-            </a:endParaRPr>
-          </a:p>
-          <a:p>
-            <a:pPr marL="0" marR="0" lvl="0" indent="0" algn="ctr" defTabSz="914433" rtl="0" eaLnBrk="1" fontAlgn="auto" latinLnBrk="0" hangingPunct="1">
-              <a:lnSpc>
-                <a:spcPct val="100000"/>
-              </a:lnSpc>
-              <a:spcBef>
-                <a:spcPts val="0"/>
-              </a:spcBef>
-              <a:spcAft>
-                <a:spcPts val="0"/>
-              </a:spcAft>
-              <a:buClrTx/>
-              <a:buSzTx/>
-              <a:buFontTx/>
-              <a:buNone/>
-              <a:tabLst/>
-              <a:defRPr/>
-            </a:pPr>
-            <a:endParaRPr kumimoji="0" lang="en-US" altLang="zh-CN" sz="1600" b="1" i="0" u="none" strike="noStrike" kern="1200" cap="none" spc="0" normalizeH="0" baseline="0" noProof="0" dirty="0">
-              <a:ln>
-                <a:noFill/>
-              </a:ln>
-              <a:solidFill>
-                <a:srgbClr val="4472C4">
-                  <a:lumMod val="75000"/>
-                </a:srgbClr>
-              </a:solidFill>
-              <a:effectLst/>
-              <a:uLnTx/>
-              <a:uFillTx/>
-              <a:latin typeface="微软雅黑" panose="020B0503020204020204" pitchFamily="34" charset="-122"/>
-              <a:ea typeface="微软雅黑" panose="020B0503020204020204" pitchFamily="34" charset="-122"/>
-              <a:cs typeface="+mn-cs"/>
-              <a:sym typeface="微软雅黑" panose="020B0503020204020204" pitchFamily="34" charset="-122"/>
-            </a:endParaRPr>
-          </a:p>
-          <a:p>
-            <a:pPr marL="0" marR="0" lvl="0" indent="0" algn="ctr" defTabSz="914433" rtl="0" eaLnBrk="1" fontAlgn="auto" latinLnBrk="0" hangingPunct="1">
-              <a:lnSpc>
-                <a:spcPct val="100000"/>
-              </a:lnSpc>
-              <a:spcBef>
-                <a:spcPts val="0"/>
-              </a:spcBef>
-              <a:spcAft>
-                <a:spcPts val="0"/>
-              </a:spcAft>
-              <a:buClrTx/>
-              <a:buSzTx/>
-              <a:buFontTx/>
-              <a:buNone/>
-              <a:tabLst/>
-              <a:defRPr/>
-            </a:pPr>
-            <a:endParaRPr kumimoji="0" lang="en-US" altLang="zh-CN" sz="1600" b="1" i="0" u="none" strike="noStrike" kern="1200" cap="none" spc="0" normalizeH="0" baseline="0" noProof="0" dirty="0">
-              <a:ln>
-                <a:noFill/>
-              </a:ln>
-              <a:solidFill>
-                <a:srgbClr val="4472C4">
-                  <a:lumMod val="75000"/>
-                </a:srgbClr>
-              </a:solidFill>
-              <a:effectLst/>
-              <a:uLnTx/>
-              <a:uFillTx/>
-              <a:latin typeface="微软雅黑" panose="020B0503020204020204" pitchFamily="34" charset="-122"/>
-              <a:ea typeface="微软雅黑" panose="020B0503020204020204" pitchFamily="34" charset="-122"/>
-              <a:cs typeface="+mn-cs"/>
-              <a:sym typeface="微软雅黑" panose="020B0503020204020204" pitchFamily="34" charset="-122"/>
-            </a:endParaRPr>
-          </a:p>
-          <a:p>
-            <a:pPr marL="0" marR="0" lvl="0" indent="0" algn="ctr" defTabSz="914433" rtl="0" eaLnBrk="1" fontAlgn="auto" latinLnBrk="0" hangingPunct="1">
-              <a:lnSpc>
-                <a:spcPct val="100000"/>
-              </a:lnSpc>
-              <a:spcBef>
-                <a:spcPts val="0"/>
-              </a:spcBef>
-              <a:spcAft>
-                <a:spcPts val="0"/>
-              </a:spcAft>
-              <a:buClrTx/>
-              <a:buSzTx/>
-              <a:buFontTx/>
-              <a:buNone/>
-              <a:tabLst/>
-              <a:defRPr/>
-            </a:pPr>
-            <a:endParaRPr kumimoji="0" lang="en-US" altLang="zh-CN" sz="1600" b="1" i="0" u="none" strike="noStrike" kern="1200" cap="none" spc="0" normalizeH="0" baseline="0" noProof="0" dirty="0">
-              <a:ln>
-                <a:noFill/>
-              </a:ln>
-              <a:solidFill>
-                <a:srgbClr val="4472C4">
-                  <a:lumMod val="75000"/>
-                </a:srgbClr>
-              </a:solidFill>
-              <a:effectLst/>
-              <a:uLnTx/>
-              <a:uFillTx/>
-              <a:latin typeface="微软雅黑" panose="020B0503020204020204" pitchFamily="34" charset="-122"/>
-              <a:ea typeface="微软雅黑" panose="020B0503020204020204" pitchFamily="34" charset="-122"/>
-              <a:cs typeface="+mn-cs"/>
-              <a:sym typeface="微软雅黑" panose="020B0503020204020204" pitchFamily="34" charset="-122"/>
-            </a:endParaRPr>
-          </a:p>
-        </p:txBody>
-      </p:sp>
-      <p:sp>
-        <p:nvSpPr>
           <p:cNvPr id="29" name="文本框 28">
             <a:extLst>
               <a:ext uri="{FF2B5EF4-FFF2-40B4-BE49-F238E27FC236}">
@@ -28193,7 +28193,7 @@
         <p:spPr>
           <a:xfrm>
             <a:off x="929876" y="2512218"/>
-            <a:ext cx="10332292" cy="891975"/>
+            <a:ext cx="10332292" cy="1145891"/>
           </a:xfrm>
           <a:prstGeom prst="rect">
             <a:avLst/>
@@ -28326,6 +28326,34 @@
                 <a:sym typeface="微软雅黑" panose="020B0503020204020204" pitchFamily="34" charset="-122"/>
               </a:rPr>
               <a:t> </a:t>
+            </a:r>
+          </a:p>
+          <a:p>
+            <a:pPr marL="228600" indent="-228600">
+              <a:lnSpc>
+                <a:spcPct val="150000"/>
+              </a:lnSpc>
+              <a:buFontTx/>
+              <a:buAutoNum type="arabicPeriod"/>
+              <a:defRPr/>
+            </a:pPr>
+            <a:r>
+              <a:rPr kumimoji="0" lang="en-US" altLang="zh-CN" sz="1100" b="0" i="0" u="none" strike="noStrike" kern="1200" cap="none" spc="0" normalizeH="0" baseline="0" noProof="0" dirty="0">
+                <a:ln>
+                  <a:noFill/>
+                </a:ln>
+                <a:solidFill>
+                  <a:srgbClr val="515A6E"/>
+                </a:solidFill>
+                <a:effectLst/>
+                <a:uLnTx/>
+                <a:uFillTx/>
+                <a:latin typeface="Arial" panose="020B0604020202020204" pitchFamily="34" charset="0"/>
+                <a:ea typeface="微软雅黑" panose="020B0503020204020204" pitchFamily="34" charset="-122"/>
+                <a:cs typeface="+mn-cs"/>
+                <a:sym typeface="微软雅黑" panose="020B0503020204020204" pitchFamily="34" charset="-122"/>
+              </a:rPr>
+              <a:t>Color up input box can be entered hexadecimal color code,</a:t>
             </a:r>
           </a:p>
         </p:txBody>
@@ -28563,7 +28591,7 @@
         </p:nvSpPr>
         <p:spPr>
           <a:xfrm>
-            <a:off x="4730499" y="6956139"/>
+            <a:off x="4736505" y="7184828"/>
             <a:ext cx="1007573" cy="314960"/>
           </a:xfrm>
           <a:prstGeom prst="roundRect">
@@ -28669,7 +28697,7 @@
         </p:nvSpPr>
         <p:spPr>
           <a:xfrm>
-            <a:off x="6168580" y="6956139"/>
+            <a:off x="6174586" y="7184828"/>
             <a:ext cx="1007573" cy="314960"/>
           </a:xfrm>
           <a:prstGeom prst="roundRect">
@@ -29035,7 +29063,7 @@
         </p:nvCxnSpPr>
         <p:spPr>
           <a:xfrm>
-            <a:off x="878636" y="7778362"/>
+            <a:off x="790830" y="8006962"/>
             <a:ext cx="10383532" cy="0"/>
           </a:xfrm>
           <a:prstGeom prst="line">
@@ -30055,7 +30083,7 @@
         </p:nvSpPr>
         <p:spPr>
           <a:xfrm>
-            <a:off x="1326213" y="5387753"/>
+            <a:off x="1308897" y="5443708"/>
             <a:ext cx="869334" cy="230832"/>
           </a:xfrm>
           <a:prstGeom prst="rect">
@@ -30114,7 +30142,7 @@
         </p:nvSpPr>
         <p:spPr>
           <a:xfrm>
-            <a:off x="2229219" y="5341079"/>
+            <a:off x="2211903" y="5397034"/>
             <a:ext cx="1834796" cy="324180"/>
           </a:xfrm>
           <a:prstGeom prst="roundRect">
@@ -30164,7 +30192,7 @@
         </p:nvSpPr>
         <p:spPr>
           <a:xfrm>
-            <a:off x="2296565" y="5396815"/>
+            <a:off x="2279249" y="5452770"/>
             <a:ext cx="745534" cy="230832"/>
           </a:xfrm>
           <a:prstGeom prst="rect">
@@ -30269,8 +30297,8 @@
         </p:nvSpPr>
         <p:spPr>
           <a:xfrm>
-            <a:off x="2229219" y="4769119"/>
-            <a:ext cx="1834796" cy="324180"/>
+            <a:off x="2229218" y="4769119"/>
+            <a:ext cx="1276953" cy="324180"/>
           </a:xfrm>
           <a:prstGeom prst="roundRect">
             <a:avLst/>
@@ -30389,7 +30417,7 @@
         </p:blipFill>
         <p:spPr>
           <a:xfrm>
-            <a:off x="3639266" y="4823259"/>
+            <a:off x="3128683" y="4822962"/>
             <a:ext cx="355600" cy="215900"/>
           </a:xfrm>
           <a:prstGeom prst="rect">
@@ -30411,7 +30439,7 @@
         </p:nvSpPr>
         <p:spPr>
           <a:xfrm>
-            <a:off x="4344897" y="4814885"/>
+            <a:off x="5624059" y="4816368"/>
             <a:ext cx="1075659" cy="230832"/>
           </a:xfrm>
           <a:prstGeom prst="rect">
@@ -30440,7 +30468,7 @@
                 <a:ea typeface="微软雅黑" panose="020B0503020204020204" pitchFamily="34" charset="-122"/>
                 <a:sym typeface="微软雅黑" panose="020B0503020204020204" pitchFamily="34" charset="-122"/>
               </a:rPr>
-              <a:t>Cluster rows</a:t>
+              <a:t>Cluster rows :</a:t>
             </a:r>
             <a:endParaRPr lang="zh-CN" altLang="en-US" sz="900" b="1" dirty="0">
               <a:solidFill>
@@ -30458,10 +30486,131 @@
       </p:sp>
       <p:sp>
         <p:nvSpPr>
-          <p:cNvPr id="76" name="圆角矩形 75">
-            <a:extLst>
-              <a:ext uri="{FF2B5EF4-FFF2-40B4-BE49-F238E27FC236}">
-                <a16:creationId xmlns:a16="http://schemas.microsoft.com/office/drawing/2014/main" id="{6C1FA2E7-10A1-5A3E-1EF8-3C40A12A7FE8}"/>
+          <p:cNvPr id="79" name="文本框 78">
+            <a:extLst>
+              <a:ext uri="{FF2B5EF4-FFF2-40B4-BE49-F238E27FC236}">
+                <a16:creationId xmlns:a16="http://schemas.microsoft.com/office/drawing/2014/main" id="{D8E9BA5E-F5FB-C451-D317-78E01262E5AA}"/>
+              </a:ext>
+            </a:extLst>
+          </p:cNvPr>
+          <p:cNvSpPr txBox="1"/>
+          <p:nvPr/>
+        </p:nvSpPr>
+        <p:spPr>
+          <a:xfrm>
+            <a:off x="8071474" y="4813820"/>
+            <a:ext cx="1007573" cy="230832"/>
+          </a:xfrm>
+          <a:prstGeom prst="rect">
+            <a:avLst/>
+          </a:prstGeom>
+          <a:noFill/>
+        </p:spPr>
+        <p:txBody>
+          <a:bodyPr wrap="square" rtlCol="0">
+            <a:spAutoFit/>
+          </a:bodyPr>
+          <a:lstStyle/>
+          <a:p>
+            <a:pPr defTabSz="914433">
+              <a:defRPr/>
+            </a:pPr>
+            <a:r>
+              <a:rPr lang="en-US" altLang="zh-CN" sz="900" b="1" dirty="0">
+                <a:solidFill>
+                  <a:schemeClr val="tx1">
+                    <a:lumMod val="75000"/>
+                    <a:lumOff val="25000"/>
+                  </a:schemeClr>
+                </a:solidFill>
+                <a:latin typeface="微软雅黑" panose="020B0503020204020204" pitchFamily="34" charset="-122"/>
+                <a:ea typeface="微软雅黑" panose="020B0503020204020204" pitchFamily="34" charset="-122"/>
+                <a:sym typeface="微软雅黑" panose="020B0503020204020204" pitchFamily="34" charset="-122"/>
+              </a:rPr>
+              <a:t>Cluster_cols </a:t>
+            </a:r>
+            <a:r>
+              <a:rPr lang="zh-CN" altLang="en-US" sz="900" b="1" dirty="0">
+                <a:solidFill>
+                  <a:schemeClr val="tx1">
+                    <a:lumMod val="75000"/>
+                    <a:lumOff val="25000"/>
+                  </a:schemeClr>
+                </a:solidFill>
+                <a:latin typeface="微软雅黑" panose="020B0503020204020204" pitchFamily="34" charset="-122"/>
+                <a:ea typeface="微软雅黑" panose="020B0503020204020204" pitchFamily="34" charset="-122"/>
+                <a:sym typeface="微软雅黑" panose="020B0503020204020204" pitchFamily="34" charset="-122"/>
+              </a:rPr>
+              <a:t>：</a:t>
+            </a:r>
+          </a:p>
+        </p:txBody>
+      </p:sp>
+      <p:sp>
+        <p:nvSpPr>
+          <p:cNvPr id="83" name="文本框 82">
+            <a:extLst>
+              <a:ext uri="{FF2B5EF4-FFF2-40B4-BE49-F238E27FC236}">
+                <a16:creationId xmlns:a16="http://schemas.microsoft.com/office/drawing/2014/main" id="{B30A7E4E-8A11-C9D4-74CB-5D42C33C1407}"/>
+              </a:ext>
+            </a:extLst>
+          </p:cNvPr>
+          <p:cNvSpPr txBox="1"/>
+          <p:nvPr/>
+        </p:nvSpPr>
+        <p:spPr>
+          <a:xfrm>
+            <a:off x="4434830" y="5458615"/>
+            <a:ext cx="865766" cy="230832"/>
+          </a:xfrm>
+          <a:prstGeom prst="rect">
+            <a:avLst/>
+          </a:prstGeom>
+          <a:noFill/>
+        </p:spPr>
+        <p:txBody>
+          <a:bodyPr wrap="square" rtlCol="0">
+            <a:spAutoFit/>
+          </a:bodyPr>
+          <a:lstStyle/>
+          <a:p>
+            <a:pPr defTabSz="914433">
+              <a:defRPr/>
+            </a:pPr>
+            <a:r>
+              <a:rPr lang="en-US" altLang="zh-CN" sz="900" b="1" dirty="0">
+                <a:solidFill>
+                  <a:schemeClr val="tx1">
+                    <a:lumMod val="75000"/>
+                    <a:lumOff val="25000"/>
+                  </a:schemeClr>
+                </a:solidFill>
+                <a:latin typeface="微软雅黑" panose="020B0503020204020204" pitchFamily="34" charset="-122"/>
+                <a:ea typeface="微软雅黑" panose="020B0503020204020204" pitchFamily="34" charset="-122"/>
+                <a:sym typeface="微软雅黑" panose="020B0503020204020204" pitchFamily="34" charset="-122"/>
+              </a:rPr>
+              <a:t>cellheight :</a:t>
+            </a:r>
+            <a:endParaRPr lang="zh-CN" altLang="en-US" sz="900" b="1" dirty="0">
+              <a:solidFill>
+                <a:schemeClr val="tx1">
+                  <a:lumMod val="75000"/>
+                  <a:lumOff val="25000"/>
+                </a:schemeClr>
+              </a:solidFill>
+              <a:latin typeface="微软雅黑" panose="020B0503020204020204" pitchFamily="34" charset="-122"/>
+              <a:ea typeface="微软雅黑" panose="020B0503020204020204" pitchFamily="34" charset="-122"/>
+              <a:sym typeface="微软雅黑" panose="020B0503020204020204" pitchFamily="34" charset="-122"/>
+            </a:endParaRPr>
+          </a:p>
+        </p:txBody>
+      </p:sp>
+      <p:sp>
+        <p:nvSpPr>
+          <p:cNvPr id="84" name="圆角矩形 83">
+            <a:extLst>
+              <a:ext uri="{FF2B5EF4-FFF2-40B4-BE49-F238E27FC236}">
+                <a16:creationId xmlns:a16="http://schemas.microsoft.com/office/drawing/2014/main" id="{2164DAA0-B5FB-1072-2D09-55ED1AE68078}"/>
               </a:ext>
             </a:extLst>
           </p:cNvPr>
@@ -30470,7 +30619,7 @@
         </p:nvSpPr>
         <p:spPr>
           <a:xfrm>
-            <a:off x="5420555" y="4785518"/>
+            <a:off x="5401736" y="5397034"/>
             <a:ext cx="1834796" cy="324180"/>
           </a:xfrm>
           <a:prstGeom prst="roundRect">
@@ -30508,10 +30657,10 @@
       </p:sp>
       <p:sp>
         <p:nvSpPr>
-          <p:cNvPr id="77" name="文本框 76">
-            <a:extLst>
-              <a:ext uri="{FF2B5EF4-FFF2-40B4-BE49-F238E27FC236}">
-                <a16:creationId xmlns:a16="http://schemas.microsoft.com/office/drawing/2014/main" id="{956CE7B6-D081-23B8-CBDF-0F315378A5E8}"/>
+          <p:cNvPr id="85" name="文本框 84">
+            <a:extLst>
+              <a:ext uri="{FF2B5EF4-FFF2-40B4-BE49-F238E27FC236}">
+                <a16:creationId xmlns:a16="http://schemas.microsoft.com/office/drawing/2014/main" id="{C70D120A-3240-5BE4-6941-A1E0B3829116}"/>
               </a:ext>
             </a:extLst>
           </p:cNvPr>
@@ -30520,8 +30669,8 @@
         </p:nvSpPr>
         <p:spPr>
           <a:xfrm>
-            <a:off x="5487901" y="4838934"/>
-            <a:ext cx="869336" cy="230832"/>
+            <a:off x="5456746" y="5452770"/>
+            <a:ext cx="745534" cy="230832"/>
           </a:xfrm>
           <a:prstGeom prst="rect">
             <a:avLst/>
@@ -30540,22 +30689,79 @@
             <a:r>
               <a:rPr lang="en-US" altLang="zh-CN" sz="900" b="1" dirty="0">
                 <a:solidFill>
+                  <a:srgbClr val="4472C4">
+                    <a:lumMod val="50000"/>
+                  </a:srgbClr>
+                </a:solidFill>
+                <a:latin typeface="微软雅黑" panose="020B0503020204020204" pitchFamily="34" charset="-122"/>
+                <a:ea typeface="微软雅黑" panose="020B0503020204020204" pitchFamily="34" charset="-122"/>
+                <a:sym typeface="微软雅黑" panose="020B0503020204020204" pitchFamily="34" charset="-122"/>
+              </a:rPr>
+              <a:t>20</a:t>
+            </a:r>
+            <a:endParaRPr lang="zh-CN" altLang="en-US" sz="900" b="1" dirty="0">
+              <a:solidFill>
+                <a:srgbClr val="4472C4">
+                  <a:lumMod val="50000"/>
+                </a:srgbClr>
+              </a:solidFill>
+              <a:latin typeface="微软雅黑" panose="020B0503020204020204" pitchFamily="34" charset="-122"/>
+              <a:ea typeface="微软雅黑" panose="020B0503020204020204" pitchFamily="34" charset="-122"/>
+              <a:sym typeface="微软雅黑" panose="020B0503020204020204" pitchFamily="34" charset="-122"/>
+            </a:endParaRPr>
+          </a:p>
+        </p:txBody>
+      </p:sp>
+      <p:sp>
+        <p:nvSpPr>
+          <p:cNvPr id="86" name="文本框 85">
+            <a:extLst>
+              <a:ext uri="{FF2B5EF4-FFF2-40B4-BE49-F238E27FC236}">
+                <a16:creationId xmlns:a16="http://schemas.microsoft.com/office/drawing/2014/main" id="{F47B0FCE-AA5C-446C-AE0B-169060FABD9F}"/>
+              </a:ext>
+            </a:extLst>
+          </p:cNvPr>
+          <p:cNvSpPr txBox="1"/>
+          <p:nvPr/>
+        </p:nvSpPr>
+        <p:spPr>
+          <a:xfrm>
+            <a:off x="7578701" y="5451212"/>
+            <a:ext cx="920897" cy="230832"/>
+          </a:xfrm>
+          <a:prstGeom prst="rect">
+            <a:avLst/>
+          </a:prstGeom>
+          <a:noFill/>
+        </p:spPr>
+        <p:txBody>
+          <a:bodyPr wrap="square" rtlCol="0">
+            <a:spAutoFit/>
+          </a:bodyPr>
+          <a:lstStyle/>
+          <a:p>
+            <a:pPr defTabSz="914433">
+              <a:defRPr/>
+            </a:pPr>
+            <a:r>
+              <a:rPr lang="en-US" altLang="zh-CN" sz="900" b="1" dirty="0">
+                <a:solidFill>
                   <a:schemeClr val="tx1">
-                    <a:lumMod val="85000"/>
-                    <a:lumOff val="15000"/>
+                    <a:lumMod val="75000"/>
+                    <a:lumOff val="25000"/>
                   </a:schemeClr>
                 </a:solidFill>
                 <a:latin typeface="微软雅黑" panose="020B0503020204020204" pitchFamily="34" charset="-122"/>
                 <a:ea typeface="微软雅黑" panose="020B0503020204020204" pitchFamily="34" charset="-122"/>
                 <a:sym typeface="微软雅黑" panose="020B0503020204020204" pitchFamily="34" charset="-122"/>
               </a:rPr>
-              <a:t>True</a:t>
+              <a:t>font Size :</a:t>
             </a:r>
             <a:endParaRPr lang="zh-CN" altLang="en-US" sz="900" b="1" dirty="0">
               <a:solidFill>
                 <a:schemeClr val="tx1">
-                  <a:lumMod val="85000"/>
-                  <a:lumOff val="15000"/>
+                  <a:lumMod val="75000"/>
+                  <a:lumOff val="25000"/>
                 </a:schemeClr>
               </a:solidFill>
               <a:latin typeface="微软雅黑" panose="020B0503020204020204" pitchFamily="34" charset="-122"/>
@@ -30565,104 +30771,12 @@
           </a:p>
         </p:txBody>
       </p:sp>
-      <p:pic>
-        <p:nvPicPr>
-          <p:cNvPr id="78" name="图片 77">
-            <a:extLst>
-              <a:ext uri="{FF2B5EF4-FFF2-40B4-BE49-F238E27FC236}">
-                <a16:creationId xmlns:a16="http://schemas.microsoft.com/office/drawing/2014/main" id="{A841933D-7025-810B-8685-A5601CFED608}"/>
-              </a:ext>
-            </a:extLst>
-          </p:cNvPr>
-          <p:cNvPicPr>
-            <a:picLocks noChangeAspect="1"/>
-          </p:cNvPicPr>
-          <p:nvPr/>
-        </p:nvPicPr>
-        <p:blipFill>
-          <a:blip r:embed="rId6"/>
-          <a:stretch>
-            <a:fillRect/>
-          </a:stretch>
-        </p:blipFill>
-        <p:spPr>
-          <a:xfrm>
-            <a:off x="6830602" y="4839658"/>
-            <a:ext cx="355600" cy="215900"/>
-          </a:xfrm>
-          <a:prstGeom prst="rect">
-            <a:avLst/>
-          </a:prstGeom>
-        </p:spPr>
-      </p:pic>
-      <p:sp>
-        <p:nvSpPr>
-          <p:cNvPr id="79" name="文本框 78">
-            <a:extLst>
-              <a:ext uri="{FF2B5EF4-FFF2-40B4-BE49-F238E27FC236}">
-                <a16:creationId xmlns:a16="http://schemas.microsoft.com/office/drawing/2014/main" id="{D8E9BA5E-F5FB-C451-D317-78E01262E5AA}"/>
-              </a:ext>
-            </a:extLst>
-          </p:cNvPr>
-          <p:cNvSpPr txBox="1"/>
-          <p:nvPr/>
-        </p:nvSpPr>
-        <p:spPr>
-          <a:xfrm>
-            <a:off x="7507575" y="4814885"/>
-            <a:ext cx="1007573" cy="230832"/>
-          </a:xfrm>
-          <a:prstGeom prst="rect">
-            <a:avLst/>
-          </a:prstGeom>
-          <a:noFill/>
-        </p:spPr>
-        <p:txBody>
-          <a:bodyPr wrap="square" rtlCol="0">
-            <a:spAutoFit/>
-          </a:bodyPr>
-          <a:lstStyle/>
-          <a:p>
-            <a:pPr defTabSz="914433">
-              <a:defRPr/>
-            </a:pPr>
-            <a:r>
-              <a:rPr lang="en-US" altLang="zh-CN" sz="900" b="1" dirty="0">
-                <a:solidFill>
-                  <a:schemeClr val="tx1">
-                    <a:lumMod val="75000"/>
-                    <a:lumOff val="25000"/>
-                  </a:schemeClr>
-                </a:solidFill>
-                <a:latin typeface="微软雅黑" panose="020B0503020204020204" pitchFamily="34" charset="-122"/>
-                <a:ea typeface="微软雅黑" panose="020B0503020204020204" pitchFamily="34" charset="-122"/>
-                <a:sym typeface="微软雅黑" panose="020B0503020204020204" pitchFamily="34" charset="-122"/>
-              </a:rPr>
-              <a:t>Cluster_cols </a:t>
-            </a:r>
-            <a:r>
-              <a:rPr lang="zh-CN" altLang="en-US" sz="900" b="1" dirty="0">
-                <a:solidFill>
-                  <a:schemeClr val="tx1">
-                    <a:lumMod val="75000"/>
-                    <a:lumOff val="25000"/>
-                  </a:schemeClr>
-                </a:solidFill>
-                <a:latin typeface="微软雅黑" panose="020B0503020204020204" pitchFamily="34" charset="-122"/>
-                <a:ea typeface="微软雅黑" panose="020B0503020204020204" pitchFamily="34" charset="-122"/>
-                <a:sym typeface="微软雅黑" panose="020B0503020204020204" pitchFamily="34" charset="-122"/>
-              </a:rPr>
-              <a:t>：</a:t>
-            </a:r>
-          </a:p>
-        </p:txBody>
-      </p:sp>
-      <p:sp>
-        <p:nvSpPr>
-          <p:cNvPr id="80" name="圆角矩形 79">
-            <a:extLst>
-              <a:ext uri="{FF2B5EF4-FFF2-40B4-BE49-F238E27FC236}">
-                <a16:creationId xmlns:a16="http://schemas.microsoft.com/office/drawing/2014/main" id="{0D626A22-3C57-6EBE-5522-577817AA8F0C}"/>
+      <p:sp>
+        <p:nvSpPr>
+          <p:cNvPr id="87" name="圆角矩形 86">
+            <a:extLst>
+              <a:ext uri="{FF2B5EF4-FFF2-40B4-BE49-F238E27FC236}">
+                <a16:creationId xmlns:a16="http://schemas.microsoft.com/office/drawing/2014/main" id="{6D02DBF2-5288-5327-D49B-9768F9184C3A}"/>
               </a:ext>
             </a:extLst>
           </p:cNvPr>
@@ -30671,7 +30785,7 @@
         </p:nvSpPr>
         <p:spPr>
           <a:xfrm>
-            <a:off x="8515148" y="4785518"/>
+            <a:off x="8497832" y="5420644"/>
             <a:ext cx="1834796" cy="324180"/>
           </a:xfrm>
           <a:prstGeom prst="roundRect">
@@ -30709,10 +30823,10 @@
       </p:sp>
       <p:sp>
         <p:nvSpPr>
-          <p:cNvPr id="81" name="文本框 80">
-            <a:extLst>
-              <a:ext uri="{FF2B5EF4-FFF2-40B4-BE49-F238E27FC236}">
-                <a16:creationId xmlns:a16="http://schemas.microsoft.com/office/drawing/2014/main" id="{03729C4D-7AD9-23CD-740E-8CB77D8C24FC}"/>
+          <p:cNvPr id="88" name="文本框 87">
+            <a:extLst>
+              <a:ext uri="{FF2B5EF4-FFF2-40B4-BE49-F238E27FC236}">
+                <a16:creationId xmlns:a16="http://schemas.microsoft.com/office/drawing/2014/main" id="{B596ED34-AA12-5649-7191-511DDA7A3D68}"/>
               </a:ext>
             </a:extLst>
           </p:cNvPr>
@@ -30721,8 +30835,8 @@
         </p:nvSpPr>
         <p:spPr>
           <a:xfrm>
-            <a:off x="8582494" y="4838934"/>
-            <a:ext cx="869336" cy="369332"/>
+            <a:off x="8565178" y="5467318"/>
+            <a:ext cx="745534" cy="230832"/>
           </a:xfrm>
           <a:prstGeom prst="rect">
             <a:avLst/>
@@ -30739,32 +30853,18 @@
               <a:defRPr/>
             </a:pPr>
             <a:r>
-              <a:rPr lang="en" altLang="zh-CN" sz="900" b="1" dirty="0">
-                <a:solidFill>
-                  <a:schemeClr val="tx1">
-                    <a:lumMod val="85000"/>
-                    <a:lumOff val="15000"/>
-                  </a:schemeClr>
-                </a:solidFill>
-                <a:latin typeface="Monaco" pitchFamily="2" charset="0"/>
-              </a:rPr>
-              <a:t>False</a:t>
-            </a:r>
-            <a:endParaRPr lang="en" altLang="zh-CN" sz="900" b="1" dirty="0">
-              <a:solidFill>
-                <a:schemeClr val="tx1">
-                  <a:lumMod val="85000"/>
-                  <a:lumOff val="15000"/>
-                </a:schemeClr>
-              </a:solidFill>
-              <a:effectLst/>
-              <a:latin typeface="Monaco" pitchFamily="2" charset="0"/>
-            </a:endParaRPr>
-          </a:p>
-          <a:p>
-            <a:pPr defTabSz="914433">
-              <a:defRPr/>
-            </a:pPr>
+              <a:rPr lang="en-US" altLang="zh-CN" sz="900" b="1" dirty="0">
+                <a:solidFill>
+                  <a:srgbClr val="4472C4">
+                    <a:lumMod val="50000"/>
+                  </a:srgbClr>
+                </a:solidFill>
+                <a:latin typeface="微软雅黑" panose="020B0503020204020204" pitchFamily="34" charset="-122"/>
+                <a:ea typeface="微软雅黑" panose="020B0503020204020204" pitchFamily="34" charset="-122"/>
+                <a:sym typeface="微软雅黑" panose="020B0503020204020204" pitchFamily="34" charset="-122"/>
+              </a:rPr>
+              <a:t>10</a:t>
+            </a:r>
             <a:endParaRPr lang="zh-CN" altLang="en-US" sz="900" b="1" dirty="0">
               <a:solidFill>
                 <a:srgbClr val="4472C4">
@@ -30778,42 +30878,12 @@
           </a:p>
         </p:txBody>
       </p:sp>
-      <p:pic>
-        <p:nvPicPr>
-          <p:cNvPr id="82" name="图片 81">
-            <a:extLst>
-              <a:ext uri="{FF2B5EF4-FFF2-40B4-BE49-F238E27FC236}">
-                <a16:creationId xmlns:a16="http://schemas.microsoft.com/office/drawing/2014/main" id="{D88A6A23-9ED7-3720-DF7E-CCE7F93643A8}"/>
-              </a:ext>
-            </a:extLst>
-          </p:cNvPr>
-          <p:cNvPicPr>
-            <a:picLocks noChangeAspect="1"/>
-          </p:cNvPicPr>
-          <p:nvPr/>
-        </p:nvPicPr>
-        <p:blipFill>
-          <a:blip r:embed="rId6"/>
-          <a:stretch>
-            <a:fillRect/>
-          </a:stretch>
-        </p:blipFill>
-        <p:spPr>
-          <a:xfrm>
-            <a:off x="9925195" y="4839658"/>
-            <a:ext cx="355600" cy="215900"/>
-          </a:xfrm>
-          <a:prstGeom prst="rect">
-            <a:avLst/>
-          </a:prstGeom>
-        </p:spPr>
-      </p:pic>
-      <p:sp>
-        <p:nvSpPr>
-          <p:cNvPr id="83" name="文本框 82">
-            <a:extLst>
-              <a:ext uri="{FF2B5EF4-FFF2-40B4-BE49-F238E27FC236}">
-                <a16:creationId xmlns:a16="http://schemas.microsoft.com/office/drawing/2014/main" id="{B30A7E4E-8A11-C9D4-74CB-5D42C33C1407}"/>
+      <p:sp>
+        <p:nvSpPr>
+          <p:cNvPr id="89" name="文本框 88">
+            <a:extLst>
+              <a:ext uri="{FF2B5EF4-FFF2-40B4-BE49-F238E27FC236}">
+                <a16:creationId xmlns:a16="http://schemas.microsoft.com/office/drawing/2014/main" id="{1B84D1D2-C728-8711-645A-7F879CC6C96A}"/>
               </a:ext>
             </a:extLst>
           </p:cNvPr>
@@ -30822,8 +30892,8 @@
         </p:nvSpPr>
         <p:spPr>
           <a:xfrm>
-            <a:off x="4452146" y="5402660"/>
-            <a:ext cx="865766" cy="230832"/>
+            <a:off x="1397629" y="6013732"/>
+            <a:ext cx="789385" cy="230832"/>
           </a:xfrm>
           <a:prstGeom prst="rect">
             <a:avLst/>
@@ -30851,7 +30921,7 @@
                 <a:ea typeface="微软雅黑" panose="020B0503020204020204" pitchFamily="34" charset="-122"/>
                 <a:sym typeface="微软雅黑" panose="020B0503020204020204" pitchFamily="34" charset="-122"/>
               </a:rPr>
-              <a:t>cellheight :</a:t>
+              <a:t>Color up :</a:t>
             </a:r>
             <a:endParaRPr lang="zh-CN" altLang="en-US" sz="900" b="1" dirty="0">
               <a:solidFill>
@@ -30869,10 +30939,10 @@
       </p:sp>
       <p:sp>
         <p:nvSpPr>
-          <p:cNvPr id="84" name="圆角矩形 83">
-            <a:extLst>
-              <a:ext uri="{FF2B5EF4-FFF2-40B4-BE49-F238E27FC236}">
-                <a16:creationId xmlns:a16="http://schemas.microsoft.com/office/drawing/2014/main" id="{2164DAA0-B5FB-1072-2D09-55ED1AE68078}"/>
+          <p:cNvPr id="90" name="圆角矩形 89">
+            <a:extLst>
+              <a:ext uri="{FF2B5EF4-FFF2-40B4-BE49-F238E27FC236}">
+                <a16:creationId xmlns:a16="http://schemas.microsoft.com/office/drawing/2014/main" id="{6388737F-A7FA-27FC-DD8F-2F2BC8FD89BE}"/>
               </a:ext>
             </a:extLst>
           </p:cNvPr>
@@ -30881,7 +30951,7 @@
         </p:nvSpPr>
         <p:spPr>
           <a:xfrm>
-            <a:off x="5419052" y="5341079"/>
+            <a:off x="2220687" y="5967058"/>
             <a:ext cx="1834796" cy="324180"/>
           </a:xfrm>
           <a:prstGeom prst="roundRect">
@@ -30919,10 +30989,10 @@
       </p:sp>
       <p:sp>
         <p:nvSpPr>
-          <p:cNvPr id="85" name="文本框 84">
-            <a:extLst>
-              <a:ext uri="{FF2B5EF4-FFF2-40B4-BE49-F238E27FC236}">
-                <a16:creationId xmlns:a16="http://schemas.microsoft.com/office/drawing/2014/main" id="{C70D120A-3240-5BE4-6941-A1E0B3829116}"/>
+          <p:cNvPr id="91" name="文本框 90">
+            <a:extLst>
+              <a:ext uri="{FF2B5EF4-FFF2-40B4-BE49-F238E27FC236}">
+                <a16:creationId xmlns:a16="http://schemas.microsoft.com/office/drawing/2014/main" id="{39F1965D-AE45-994F-63C9-10D271363810}"/>
               </a:ext>
             </a:extLst>
           </p:cNvPr>
@@ -30931,7 +31001,7 @@
         </p:nvSpPr>
         <p:spPr>
           <a:xfrm>
-            <a:off x="5474062" y="5396815"/>
+            <a:off x="2288033" y="6022794"/>
             <a:ext cx="745534" cy="230832"/>
           </a:xfrm>
           <a:prstGeom prst="rect">
@@ -30959,7 +31029,7 @@
                 <a:ea typeface="微软雅黑" panose="020B0503020204020204" pitchFamily="34" charset="-122"/>
                 <a:sym typeface="微软雅黑" panose="020B0503020204020204" pitchFamily="34" charset="-122"/>
               </a:rPr>
-              <a:t>20</a:t>
+              <a:t>default</a:t>
             </a:r>
             <a:endParaRPr lang="zh-CN" altLang="en-US" sz="900" b="1" dirty="0">
               <a:solidFill>
@@ -30976,10 +31046,10 @@
       </p:sp>
       <p:sp>
         <p:nvSpPr>
-          <p:cNvPr id="86" name="文本框 85">
-            <a:extLst>
-              <a:ext uri="{FF2B5EF4-FFF2-40B4-BE49-F238E27FC236}">
-                <a16:creationId xmlns:a16="http://schemas.microsoft.com/office/drawing/2014/main" id="{F47B0FCE-AA5C-446C-AE0B-169060FABD9F}"/>
+          <p:cNvPr id="92" name="文本框 91">
+            <a:extLst>
+              <a:ext uri="{FF2B5EF4-FFF2-40B4-BE49-F238E27FC236}">
+                <a16:creationId xmlns:a16="http://schemas.microsoft.com/office/drawing/2014/main" id="{2393FE9A-69FF-4FA1-456B-995436F7B836}"/>
               </a:ext>
             </a:extLst>
           </p:cNvPr>
@@ -30988,8 +31058,8 @@
         </p:nvSpPr>
         <p:spPr>
           <a:xfrm>
-            <a:off x="7596017" y="5395257"/>
-            <a:ext cx="920897" cy="230832"/>
+            <a:off x="4388604" y="6013732"/>
+            <a:ext cx="988243" cy="230832"/>
           </a:xfrm>
           <a:prstGeom prst="rect">
             <a:avLst/>
@@ -31017,7 +31087,7 @@
                 <a:ea typeface="微软雅黑" panose="020B0503020204020204" pitchFamily="34" charset="-122"/>
                 <a:sym typeface="微软雅黑" panose="020B0503020204020204" pitchFamily="34" charset="-122"/>
               </a:rPr>
-              <a:t>font Size :</a:t>
+              <a:t>Color down :</a:t>
             </a:r>
             <a:endParaRPr lang="zh-CN" altLang="en-US" sz="900" b="1" dirty="0">
               <a:solidFill>
@@ -31035,10 +31105,10 @@
       </p:sp>
       <p:sp>
         <p:nvSpPr>
-          <p:cNvPr id="87" name="圆角矩形 86">
-            <a:extLst>
-              <a:ext uri="{FF2B5EF4-FFF2-40B4-BE49-F238E27FC236}">
-                <a16:creationId xmlns:a16="http://schemas.microsoft.com/office/drawing/2014/main" id="{6D02DBF2-5288-5327-D49B-9768F9184C3A}"/>
+          <p:cNvPr id="93" name="圆角矩形 92">
+            <a:extLst>
+              <a:ext uri="{FF2B5EF4-FFF2-40B4-BE49-F238E27FC236}">
+                <a16:creationId xmlns:a16="http://schemas.microsoft.com/office/drawing/2014/main" id="{2C2F6420-6CDF-F3BC-749A-582AE6F16613}"/>
               </a:ext>
             </a:extLst>
           </p:cNvPr>
@@ -31047,7 +31117,7 @@
         </p:nvSpPr>
         <p:spPr>
           <a:xfrm>
-            <a:off x="8515148" y="5364689"/>
+            <a:off x="5410520" y="5967058"/>
             <a:ext cx="1834796" cy="324180"/>
           </a:xfrm>
           <a:prstGeom prst="roundRect">
@@ -31085,10 +31155,10 @@
       </p:sp>
       <p:sp>
         <p:nvSpPr>
-          <p:cNvPr id="88" name="文本框 87">
-            <a:extLst>
-              <a:ext uri="{FF2B5EF4-FFF2-40B4-BE49-F238E27FC236}">
-                <a16:creationId xmlns:a16="http://schemas.microsoft.com/office/drawing/2014/main" id="{B596ED34-AA12-5649-7191-511DDA7A3D68}"/>
+          <p:cNvPr id="94" name="文本框 93">
+            <a:extLst>
+              <a:ext uri="{FF2B5EF4-FFF2-40B4-BE49-F238E27FC236}">
+                <a16:creationId xmlns:a16="http://schemas.microsoft.com/office/drawing/2014/main" id="{8544646D-37AE-A06B-8FAD-BFC1CC86EDC7}"/>
               </a:ext>
             </a:extLst>
           </p:cNvPr>
@@ -31097,7 +31167,7 @@
         </p:nvSpPr>
         <p:spPr>
           <a:xfrm>
-            <a:off x="8582494" y="5411363"/>
+            <a:off x="5477866" y="6022794"/>
             <a:ext cx="745534" cy="230832"/>
           </a:xfrm>
           <a:prstGeom prst="rect">
@@ -31125,7 +31195,7 @@
                 <a:ea typeface="微软雅黑" panose="020B0503020204020204" pitchFamily="34" charset="-122"/>
                 <a:sym typeface="微软雅黑" panose="020B0503020204020204" pitchFamily="34" charset="-122"/>
               </a:rPr>
-              <a:t>10</a:t>
+              <a:t>default</a:t>
             </a:r>
             <a:endParaRPr lang="zh-CN" altLang="en-US" sz="900" b="1" dirty="0">
               <a:solidFill>
@@ -31142,10 +31212,10 @@
       </p:sp>
       <p:sp>
         <p:nvSpPr>
-          <p:cNvPr id="89" name="文本框 88">
-            <a:extLst>
-              <a:ext uri="{FF2B5EF4-FFF2-40B4-BE49-F238E27FC236}">
-                <a16:creationId xmlns:a16="http://schemas.microsoft.com/office/drawing/2014/main" id="{1B84D1D2-C728-8711-645A-7F879CC6C96A}"/>
+          <p:cNvPr id="95" name="文本框 94">
+            <a:extLst>
+              <a:ext uri="{FF2B5EF4-FFF2-40B4-BE49-F238E27FC236}">
+                <a16:creationId xmlns:a16="http://schemas.microsoft.com/office/drawing/2014/main" id="{90EFB99D-8349-5F97-1CD4-0D5A520966AF}"/>
               </a:ext>
             </a:extLst>
           </p:cNvPr>
@@ -31154,8 +31224,8 @@
         </p:nvSpPr>
         <p:spPr>
           <a:xfrm>
-            <a:off x="1414945" y="5957777"/>
-            <a:ext cx="789385" cy="230832"/>
+            <a:off x="7508079" y="6005058"/>
+            <a:ext cx="920897" cy="230832"/>
           </a:xfrm>
           <a:prstGeom prst="rect">
             <a:avLst/>
@@ -31183,7 +31253,7 @@
                 <a:ea typeface="微软雅黑" panose="020B0503020204020204" pitchFamily="34" charset="-122"/>
                 <a:sym typeface="微软雅黑" panose="020B0503020204020204" pitchFamily="34" charset="-122"/>
               </a:rPr>
-              <a:t>Color up :</a:t>
+              <a:t>Color mid :</a:t>
             </a:r>
             <a:endParaRPr lang="zh-CN" altLang="en-US" sz="900" b="1" dirty="0">
               <a:solidFill>
@@ -31201,10 +31271,10 @@
       </p:sp>
       <p:sp>
         <p:nvSpPr>
-          <p:cNvPr id="90" name="圆角矩形 89">
-            <a:extLst>
-              <a:ext uri="{FF2B5EF4-FFF2-40B4-BE49-F238E27FC236}">
-                <a16:creationId xmlns:a16="http://schemas.microsoft.com/office/drawing/2014/main" id="{6388737F-A7FA-27FC-DD8F-2F2BC8FD89BE}"/>
+          <p:cNvPr id="96" name="圆角矩形 95">
+            <a:extLst>
+              <a:ext uri="{FF2B5EF4-FFF2-40B4-BE49-F238E27FC236}">
+                <a16:creationId xmlns:a16="http://schemas.microsoft.com/office/drawing/2014/main" id="{2473FF93-E5E4-6B0C-6D72-F9576A7E3BDC}"/>
               </a:ext>
             </a:extLst>
           </p:cNvPr>
@@ -31213,7 +31283,7 @@
         </p:nvSpPr>
         <p:spPr>
           <a:xfrm>
-            <a:off x="2238003" y="5911103"/>
+            <a:off x="8462649" y="5958384"/>
             <a:ext cx="1834796" cy="324180"/>
           </a:xfrm>
           <a:prstGeom prst="roundRect">
@@ -31251,10 +31321,10 @@
       </p:sp>
       <p:sp>
         <p:nvSpPr>
-          <p:cNvPr id="91" name="文本框 90">
-            <a:extLst>
-              <a:ext uri="{FF2B5EF4-FFF2-40B4-BE49-F238E27FC236}">
-                <a16:creationId xmlns:a16="http://schemas.microsoft.com/office/drawing/2014/main" id="{39F1965D-AE45-994F-63C9-10D271363810}"/>
+          <p:cNvPr id="97" name="文本框 96">
+            <a:extLst>
+              <a:ext uri="{FF2B5EF4-FFF2-40B4-BE49-F238E27FC236}">
+                <a16:creationId xmlns:a16="http://schemas.microsoft.com/office/drawing/2014/main" id="{37D92F15-555D-AFA2-3161-44F243153722}"/>
               </a:ext>
             </a:extLst>
           </p:cNvPr>
@@ -31263,7 +31333,7 @@
         </p:nvSpPr>
         <p:spPr>
           <a:xfrm>
-            <a:off x="2305349" y="5966839"/>
+            <a:off x="8529995" y="6014120"/>
             <a:ext cx="745534" cy="230832"/>
           </a:xfrm>
           <a:prstGeom prst="rect">
@@ -31308,10 +31378,10 @@
       </p:sp>
       <p:sp>
         <p:nvSpPr>
-          <p:cNvPr id="92" name="文本框 91">
-            <a:extLst>
-              <a:ext uri="{FF2B5EF4-FFF2-40B4-BE49-F238E27FC236}">
-                <a16:creationId xmlns:a16="http://schemas.microsoft.com/office/drawing/2014/main" id="{2393FE9A-69FF-4FA1-456B-995436F7B836}"/>
+          <p:cNvPr id="13" name="文本框 12">
+            <a:extLst>
+              <a:ext uri="{FF2B5EF4-FFF2-40B4-BE49-F238E27FC236}">
+                <a16:creationId xmlns:a16="http://schemas.microsoft.com/office/drawing/2014/main" id="{AB97521A-1850-C4C5-79BA-9EF439BF6BD0}"/>
               </a:ext>
             </a:extLst>
           </p:cNvPr>
@@ -31320,8 +31390,94 @@
         </p:nvSpPr>
         <p:spPr>
           <a:xfrm>
-            <a:off x="4405920" y="5957777"/>
-            <a:ext cx="988243" cy="230832"/>
+            <a:off x="10043788" y="3722433"/>
+            <a:ext cx="2585301" cy="276999"/>
+          </a:xfrm>
+          <a:prstGeom prst="rect">
+            <a:avLst/>
+          </a:prstGeom>
+          <a:noFill/>
+        </p:spPr>
+        <p:txBody>
+          <a:bodyPr wrap="square" rtlCol="0">
+            <a:spAutoFit/>
+          </a:bodyPr>
+          <a:lstStyle/>
+          <a:p>
+            <a:pPr defTabSz="914433">
+              <a:defRPr/>
+            </a:pPr>
+            <a:r>
+              <a:rPr lang="zh-CN" altLang="en-US" sz="1200" dirty="0">
+                <a:solidFill>
+                  <a:srgbClr val="FF0000"/>
+                </a:solidFill>
+                <a:latin typeface="微软雅黑" panose="020B0503020204020204" pitchFamily="34" charset="-122"/>
+                <a:ea typeface="微软雅黑" panose="020B0503020204020204" pitchFamily="34" charset="-122"/>
+                <a:sym typeface="微软雅黑" panose="020B0503020204020204" pitchFamily="34" charset="-122"/>
+              </a:rPr>
+              <a:t>有</a:t>
+            </a:r>
+            <a:r>
+              <a:rPr lang="en-US" altLang="zh-CN" sz="1200" dirty="0">
+                <a:solidFill>
+                  <a:srgbClr val="FF0000"/>
+                </a:solidFill>
+                <a:latin typeface="微软雅黑" panose="020B0503020204020204" pitchFamily="34" charset="-122"/>
+                <a:ea typeface="微软雅黑" panose="020B0503020204020204" pitchFamily="34" charset="-122"/>
+                <a:sym typeface="微软雅黑" panose="020B0503020204020204" pitchFamily="34" charset="-122"/>
+              </a:rPr>
+              <a:t>True</a:t>
+            </a:r>
+            <a:r>
+              <a:rPr lang="zh-CN" altLang="en-US" sz="1200" dirty="0">
+                <a:solidFill>
+                  <a:srgbClr val="FF0000"/>
+                </a:solidFill>
+                <a:latin typeface="微软雅黑" panose="020B0503020204020204" pitchFamily="34" charset="-122"/>
+                <a:ea typeface="微软雅黑" panose="020B0503020204020204" pitchFamily="34" charset="-122"/>
+                <a:sym typeface="微软雅黑" panose="020B0503020204020204" pitchFamily="34" charset="-122"/>
+              </a:rPr>
+              <a:t>与</a:t>
+            </a:r>
+            <a:r>
+              <a:rPr lang="en-US" altLang="zh-CN" sz="1200" dirty="0">
+                <a:solidFill>
+                  <a:srgbClr val="FF0000"/>
+                </a:solidFill>
+                <a:latin typeface="微软雅黑" panose="020B0503020204020204" pitchFamily="34" charset="-122"/>
+                <a:ea typeface="微软雅黑" panose="020B0503020204020204" pitchFamily="34" charset="-122"/>
+                <a:sym typeface="微软雅黑" panose="020B0503020204020204" pitchFamily="34" charset="-122"/>
+              </a:rPr>
+              <a:t>False</a:t>
+            </a:r>
+            <a:endParaRPr lang="zh-CN" altLang="en-US" sz="900" dirty="0">
+              <a:solidFill>
+                <a:srgbClr val="FF0000"/>
+              </a:solidFill>
+              <a:latin typeface="微软雅黑" panose="020B0503020204020204" pitchFamily="34" charset="-122"/>
+              <a:ea typeface="微软雅黑" panose="020B0503020204020204" pitchFamily="34" charset="-122"/>
+              <a:sym typeface="微软雅黑" panose="020B0503020204020204" pitchFamily="34" charset="-122"/>
+            </a:endParaRPr>
+          </a:p>
+        </p:txBody>
+      </p:sp>
+      <p:sp>
+        <p:nvSpPr>
+          <p:cNvPr id="41" name="文本框 40">
+            <a:extLst>
+              <a:ext uri="{FF2B5EF4-FFF2-40B4-BE49-F238E27FC236}">
+                <a16:creationId xmlns:a16="http://schemas.microsoft.com/office/drawing/2014/main" id="{79E4ECB2-513F-62EB-7444-555F616C0F80}"/>
+              </a:ext>
+            </a:extLst>
+          </p:cNvPr>
+          <p:cNvSpPr txBox="1"/>
+          <p:nvPr/>
+        </p:nvSpPr>
+        <p:spPr>
+          <a:xfrm>
+            <a:off x="3644827" y="4822962"/>
+            <a:ext cx="789385" cy="230832"/>
           </a:xfrm>
           <a:prstGeom prst="rect">
             <a:avLst/>
@@ -31349,7 +31505,7 @@
                 <a:ea typeface="微软雅黑" panose="020B0503020204020204" pitchFamily="34" charset="-122"/>
                 <a:sym typeface="微软雅黑" panose="020B0503020204020204" pitchFamily="34" charset="-122"/>
               </a:rPr>
-              <a:t>Color down :</a:t>
+              <a:t>Scale :</a:t>
             </a:r>
             <a:endParaRPr lang="zh-CN" altLang="en-US" sz="900" b="1" dirty="0">
               <a:solidFill>
@@ -31367,10 +31523,96 @@
       </p:sp>
       <p:sp>
         <p:nvSpPr>
-          <p:cNvPr id="93" name="圆角矩形 92">
-            <a:extLst>
-              <a:ext uri="{FF2B5EF4-FFF2-40B4-BE49-F238E27FC236}">
-                <a16:creationId xmlns:a16="http://schemas.microsoft.com/office/drawing/2014/main" id="{2C2F6420-6CDF-F3BC-749A-582AE6F16613}"/>
+          <p:cNvPr id="44" name="文本框 43">
+            <a:extLst>
+              <a:ext uri="{FF2B5EF4-FFF2-40B4-BE49-F238E27FC236}">
+                <a16:creationId xmlns:a16="http://schemas.microsoft.com/office/drawing/2014/main" id="{6DB1F5B2-BCF3-9A12-AEE1-F99438C09E15}"/>
+              </a:ext>
+            </a:extLst>
+          </p:cNvPr>
+          <p:cNvSpPr txBox="1"/>
+          <p:nvPr/>
+        </p:nvSpPr>
+        <p:spPr>
+          <a:xfrm>
+            <a:off x="3004496" y="3997388"/>
+            <a:ext cx="1497531" cy="276999"/>
+          </a:xfrm>
+          <a:prstGeom prst="rect">
+            <a:avLst/>
+          </a:prstGeom>
+          <a:noFill/>
+        </p:spPr>
+        <p:txBody>
+          <a:bodyPr wrap="square" rtlCol="0">
+            <a:spAutoFit/>
+          </a:bodyPr>
+          <a:lstStyle/>
+          <a:p>
+            <a:pPr defTabSz="914433">
+              <a:defRPr/>
+            </a:pPr>
+            <a:r>
+              <a:rPr lang="zh-CN" altLang="en-US" sz="1200" dirty="0">
+                <a:solidFill>
+                  <a:srgbClr val="FF0000"/>
+                </a:solidFill>
+                <a:latin typeface="微软雅黑" panose="020B0503020204020204" pitchFamily="34" charset="-122"/>
+                <a:ea typeface="微软雅黑" panose="020B0503020204020204" pitchFamily="34" charset="-122"/>
+                <a:sym typeface="微软雅黑" panose="020B0503020204020204" pitchFamily="34" charset="-122"/>
+              </a:rPr>
+              <a:t>有</a:t>
+            </a:r>
+            <a:r>
+              <a:rPr lang="en-US" altLang="zh-CN" sz="1200" dirty="0">
+                <a:solidFill>
+                  <a:srgbClr val="FF0000"/>
+                </a:solidFill>
+                <a:latin typeface="微软雅黑" panose="020B0503020204020204" pitchFamily="34" charset="-122"/>
+                <a:ea typeface="微软雅黑" panose="020B0503020204020204" pitchFamily="34" charset="-122"/>
+                <a:sym typeface="微软雅黑" panose="020B0503020204020204" pitchFamily="34" charset="-122"/>
+              </a:rPr>
+              <a:t>log2</a:t>
+            </a:r>
+            <a:r>
+              <a:rPr lang="zh-CN" altLang="en-US" sz="1200" dirty="0">
+                <a:solidFill>
+                  <a:srgbClr val="FF0000"/>
+                </a:solidFill>
+                <a:latin typeface="微软雅黑" panose="020B0503020204020204" pitchFamily="34" charset="-122"/>
+                <a:ea typeface="微软雅黑" panose="020B0503020204020204" pitchFamily="34" charset="-122"/>
+                <a:sym typeface="微软雅黑" panose="020B0503020204020204" pitchFamily="34" charset="-122"/>
+              </a:rPr>
+              <a:t>与</a:t>
+            </a:r>
+            <a:r>
+              <a:rPr lang="en-US" altLang="zh-CN" sz="1200" dirty="0">
+                <a:solidFill>
+                  <a:srgbClr val="FF0000"/>
+                </a:solidFill>
+                <a:latin typeface="微软雅黑" panose="020B0503020204020204" pitchFamily="34" charset="-122"/>
+                <a:ea typeface="微软雅黑" panose="020B0503020204020204" pitchFamily="34" charset="-122"/>
+                <a:sym typeface="微软雅黑" panose="020B0503020204020204" pitchFamily="34" charset="-122"/>
+              </a:rPr>
+              <a:t>z-score</a:t>
+            </a:r>
+            <a:endParaRPr lang="zh-CN" altLang="en-US" sz="900" dirty="0">
+              <a:solidFill>
+                <a:srgbClr val="FF0000"/>
+              </a:solidFill>
+              <a:latin typeface="微软雅黑" panose="020B0503020204020204" pitchFamily="34" charset="-122"/>
+              <a:ea typeface="微软雅黑" panose="020B0503020204020204" pitchFamily="34" charset="-122"/>
+              <a:sym typeface="微软雅黑" panose="020B0503020204020204" pitchFamily="34" charset="-122"/>
+            </a:endParaRPr>
+          </a:p>
+        </p:txBody>
+      </p:sp>
+      <p:sp>
+        <p:nvSpPr>
+          <p:cNvPr id="62" name="圆角矩形 61">
+            <a:extLst>
+              <a:ext uri="{FF2B5EF4-FFF2-40B4-BE49-F238E27FC236}">
+                <a16:creationId xmlns:a16="http://schemas.microsoft.com/office/drawing/2014/main" id="{F337409A-0D5E-1FE0-5C9D-AB7F20755F25}"/>
               </a:ext>
             </a:extLst>
           </p:cNvPr>
@@ -31379,8 +31621,8 @@
         </p:nvSpPr>
         <p:spPr>
           <a:xfrm>
-            <a:off x="5427836" y="5911103"/>
-            <a:ext cx="1834796" cy="324180"/>
+            <a:off x="4206074" y="4772496"/>
+            <a:ext cx="1276953" cy="324180"/>
           </a:xfrm>
           <a:prstGeom prst="roundRect">
             <a:avLst/>
@@ -31415,12 +31657,83 @@
           </a:p>
         </p:txBody>
       </p:sp>
-      <p:sp>
-        <p:nvSpPr>
-          <p:cNvPr id="94" name="文本框 93">
-            <a:extLst>
-              <a:ext uri="{FF2B5EF4-FFF2-40B4-BE49-F238E27FC236}">
-                <a16:creationId xmlns:a16="http://schemas.microsoft.com/office/drawing/2014/main" id="{8544646D-37AE-A06B-8FAD-BFC1CC86EDC7}"/>
+      <p:pic>
+        <p:nvPicPr>
+          <p:cNvPr id="63" name="图片 62">
+            <a:extLst>
+              <a:ext uri="{FF2B5EF4-FFF2-40B4-BE49-F238E27FC236}">
+                <a16:creationId xmlns:a16="http://schemas.microsoft.com/office/drawing/2014/main" id="{DB8EA0F1-3E95-79EB-DFE0-6123B09BDC12}"/>
+              </a:ext>
+            </a:extLst>
+          </p:cNvPr>
+          <p:cNvPicPr>
+            <a:picLocks noChangeAspect="1"/>
+          </p:cNvPicPr>
+          <p:nvPr/>
+        </p:nvPicPr>
+        <p:blipFill>
+          <a:blip r:embed="rId6"/>
+          <a:stretch>
+            <a:fillRect/>
+          </a:stretch>
+        </p:blipFill>
+        <p:spPr>
+          <a:xfrm>
+            <a:off x="5105539" y="4826339"/>
+            <a:ext cx="355600" cy="215900"/>
+          </a:xfrm>
+          <a:prstGeom prst="rect">
+            <a:avLst/>
+          </a:prstGeom>
+        </p:spPr>
+      </p:pic>
+      <p:cxnSp>
+        <p:nvCxnSpPr>
+          <p:cNvPr id="46" name="直线箭头连接符 45">
+            <a:extLst>
+              <a:ext uri="{FF2B5EF4-FFF2-40B4-BE49-F238E27FC236}">
+                <a16:creationId xmlns:a16="http://schemas.microsoft.com/office/drawing/2014/main" id="{718EA9F1-9D8B-CF33-48BD-DC07302F4EBA}"/>
+              </a:ext>
+            </a:extLst>
+          </p:cNvPr>
+          <p:cNvCxnSpPr>
+            <a:cxnSpLocks/>
+          </p:cNvCxnSpPr>
+          <p:nvPr/>
+        </p:nvCxnSpPr>
+        <p:spPr>
+          <a:xfrm>
+            <a:off x="3937893" y="4210062"/>
+            <a:ext cx="1344828" cy="603983"/>
+          </a:xfrm>
+          <a:prstGeom prst="straightConnector1">
+            <a:avLst/>
+          </a:prstGeom>
+          <a:ln>
+            <a:tailEnd type="triangle"/>
+          </a:ln>
+        </p:spPr>
+        <p:style>
+          <a:lnRef idx="1">
+            <a:schemeClr val="accent1"/>
+          </a:lnRef>
+          <a:fillRef idx="0">
+            <a:schemeClr val="accent1"/>
+          </a:fillRef>
+          <a:effectRef idx="0">
+            <a:schemeClr val="accent1"/>
+          </a:effectRef>
+          <a:fontRef idx="minor">
+            <a:schemeClr val="tx1"/>
+          </a:fontRef>
+        </p:style>
+      </p:cxnSp>
+      <p:sp>
+        <p:nvSpPr>
+          <p:cNvPr id="65" name="文本框 64">
+            <a:extLst>
+              <a:ext uri="{FF2B5EF4-FFF2-40B4-BE49-F238E27FC236}">
+                <a16:creationId xmlns:a16="http://schemas.microsoft.com/office/drawing/2014/main" id="{4F294263-B5BE-8BC5-E70A-6FC9393B37EA}"/>
               </a:ext>
             </a:extLst>
           </p:cNvPr>
@@ -31429,8 +31742,8 @@
         </p:nvSpPr>
         <p:spPr>
           <a:xfrm>
-            <a:off x="5495182" y="5966839"/>
-            <a:ext cx="745534" cy="230832"/>
+            <a:off x="4334174" y="4826042"/>
+            <a:ext cx="869336" cy="369332"/>
           </a:xfrm>
           <a:prstGeom prst="rect">
             <a:avLst/>
@@ -31447,18 +31760,32 @@
               <a:defRPr/>
             </a:pPr>
             <a:r>
-              <a:rPr lang="en-US" altLang="zh-CN" sz="900" b="1" dirty="0">
-                <a:solidFill>
-                  <a:srgbClr val="4472C4">
-                    <a:lumMod val="50000"/>
-                  </a:srgbClr>
-                </a:solidFill>
-                <a:latin typeface="微软雅黑" panose="020B0503020204020204" pitchFamily="34" charset="-122"/>
-                <a:ea typeface="微软雅黑" panose="020B0503020204020204" pitchFamily="34" charset="-122"/>
-                <a:sym typeface="微软雅黑" panose="020B0503020204020204" pitchFamily="34" charset="-122"/>
-              </a:rPr>
-              <a:t>default</a:t>
-            </a:r>
+              <a:rPr lang="en" altLang="zh-CN" sz="900" b="1" dirty="0">
+                <a:solidFill>
+                  <a:schemeClr val="tx1">
+                    <a:lumMod val="85000"/>
+                    <a:lumOff val="15000"/>
+                  </a:schemeClr>
+                </a:solidFill>
+                <a:latin typeface="Monaco" pitchFamily="2" charset="0"/>
+              </a:rPr>
+              <a:t>log</a:t>
+            </a:r>
+            <a:endParaRPr lang="en" altLang="zh-CN" sz="900" b="1" dirty="0">
+              <a:solidFill>
+                <a:schemeClr val="tx1">
+                  <a:lumMod val="85000"/>
+                  <a:lumOff val="15000"/>
+                </a:schemeClr>
+              </a:solidFill>
+              <a:effectLst/>
+              <a:latin typeface="Monaco" pitchFamily="2" charset="0"/>
+            </a:endParaRPr>
+          </a:p>
+          <a:p>
+            <a:pPr defTabSz="914433">
+              <a:defRPr/>
+            </a:pPr>
             <a:endParaRPr lang="zh-CN" altLang="en-US" sz="900" b="1" dirty="0">
               <a:solidFill>
                 <a:srgbClr val="4472C4">
@@ -31472,71 +31799,53 @@
           </a:p>
         </p:txBody>
       </p:sp>
-      <p:sp>
-        <p:nvSpPr>
-          <p:cNvPr id="95" name="文本框 94">
-            <a:extLst>
-              <a:ext uri="{FF2B5EF4-FFF2-40B4-BE49-F238E27FC236}">
-                <a16:creationId xmlns:a16="http://schemas.microsoft.com/office/drawing/2014/main" id="{90EFB99D-8349-5F97-1CD4-0D5A520966AF}"/>
-              </a:ext>
-            </a:extLst>
-          </p:cNvPr>
-          <p:cNvSpPr txBox="1"/>
-          <p:nvPr/>
-        </p:nvSpPr>
-        <p:spPr>
-          <a:xfrm>
-            <a:off x="7525395" y="5949103"/>
-            <a:ext cx="920897" cy="230832"/>
-          </a:xfrm>
-          <a:prstGeom prst="rect">
-            <a:avLst/>
-          </a:prstGeom>
-          <a:noFill/>
-        </p:spPr>
-        <p:txBody>
-          <a:bodyPr wrap="square" rtlCol="0">
-            <a:spAutoFit/>
-          </a:bodyPr>
-          <a:lstStyle/>
-          <a:p>
-            <a:pPr defTabSz="914433">
-              <a:defRPr/>
-            </a:pPr>
-            <a:r>
-              <a:rPr lang="en-US" altLang="zh-CN" sz="900" b="1" dirty="0">
-                <a:solidFill>
-                  <a:schemeClr val="tx1">
-                    <a:lumMod val="75000"/>
-                    <a:lumOff val="25000"/>
-                  </a:schemeClr>
-                </a:solidFill>
-                <a:latin typeface="微软雅黑" panose="020B0503020204020204" pitchFamily="34" charset="-122"/>
-                <a:ea typeface="微软雅黑" panose="020B0503020204020204" pitchFamily="34" charset="-122"/>
-                <a:sym typeface="微软雅黑" panose="020B0503020204020204" pitchFamily="34" charset="-122"/>
-              </a:rPr>
-              <a:t>Color mid :</a:t>
-            </a:r>
-            <a:endParaRPr lang="zh-CN" altLang="en-US" sz="900" b="1" dirty="0">
-              <a:solidFill>
-                <a:schemeClr val="tx1">
-                  <a:lumMod val="75000"/>
-                  <a:lumOff val="25000"/>
-                </a:schemeClr>
-              </a:solidFill>
-              <a:latin typeface="微软雅黑" panose="020B0503020204020204" pitchFamily="34" charset="-122"/>
-              <a:ea typeface="微软雅黑" panose="020B0503020204020204" pitchFamily="34" charset="-122"/>
-              <a:sym typeface="微软雅黑" panose="020B0503020204020204" pitchFamily="34" charset="-122"/>
-            </a:endParaRPr>
-          </a:p>
-        </p:txBody>
-      </p:sp>
-      <p:sp>
-        <p:nvSpPr>
-          <p:cNvPr id="96" name="圆角矩形 95">
-            <a:extLst>
-              <a:ext uri="{FF2B5EF4-FFF2-40B4-BE49-F238E27FC236}">
-                <a16:creationId xmlns:a16="http://schemas.microsoft.com/office/drawing/2014/main" id="{2473FF93-E5E4-6B0C-6D72-F9576A7E3BDC}"/>
+      <p:cxnSp>
+        <p:nvCxnSpPr>
+          <p:cNvPr id="7" name="直线箭头连接符 6">
+            <a:extLst>
+              <a:ext uri="{FF2B5EF4-FFF2-40B4-BE49-F238E27FC236}">
+                <a16:creationId xmlns:a16="http://schemas.microsoft.com/office/drawing/2014/main" id="{D22ACBDD-6AEE-DB35-D414-4A8C2CFDDD10}"/>
+              </a:ext>
+            </a:extLst>
+          </p:cNvPr>
+          <p:cNvCxnSpPr>
+            <a:cxnSpLocks/>
+          </p:cNvCxnSpPr>
+          <p:nvPr/>
+        </p:nvCxnSpPr>
+        <p:spPr>
+          <a:xfrm flipH="1">
+            <a:off x="10421276" y="4101659"/>
+            <a:ext cx="493407" cy="604324"/>
+          </a:xfrm>
+          <a:prstGeom prst="straightConnector1">
+            <a:avLst/>
+          </a:prstGeom>
+          <a:ln>
+            <a:tailEnd type="triangle"/>
+          </a:ln>
+        </p:spPr>
+        <p:style>
+          <a:lnRef idx="1">
+            <a:schemeClr val="accent1"/>
+          </a:lnRef>
+          <a:fillRef idx="0">
+            <a:schemeClr val="accent1"/>
+          </a:fillRef>
+          <a:effectRef idx="0">
+            <a:schemeClr val="accent1"/>
+          </a:effectRef>
+          <a:fontRef idx="minor">
+            <a:schemeClr val="tx1"/>
+          </a:fontRef>
+        </p:style>
+      </p:cxnSp>
+      <p:sp>
+        <p:nvSpPr>
+          <p:cNvPr id="71" name="圆角矩形 70">
+            <a:extLst>
+              <a:ext uri="{FF2B5EF4-FFF2-40B4-BE49-F238E27FC236}">
+                <a16:creationId xmlns:a16="http://schemas.microsoft.com/office/drawing/2014/main" id="{E23AB7F3-7559-A476-922A-A25CD344E9D1}"/>
               </a:ext>
             </a:extLst>
           </p:cNvPr>
@@ -31545,8 +31854,8 @@
         </p:nvSpPr>
         <p:spPr>
           <a:xfrm>
-            <a:off x="8479965" y="5902429"/>
-            <a:ext cx="1834796" cy="324180"/>
+            <a:off x="9144323" y="4774446"/>
+            <a:ext cx="1276953" cy="324180"/>
           </a:xfrm>
           <a:prstGeom prst="roundRect">
             <a:avLst/>
@@ -31581,12 +31890,122 @@
           </a:p>
         </p:txBody>
       </p:sp>
-      <p:sp>
-        <p:nvSpPr>
-          <p:cNvPr id="97" name="文本框 96">
-            <a:extLst>
-              <a:ext uri="{FF2B5EF4-FFF2-40B4-BE49-F238E27FC236}">
-                <a16:creationId xmlns:a16="http://schemas.microsoft.com/office/drawing/2014/main" id="{37D92F15-555D-AFA2-3161-44F243153722}"/>
+      <p:pic>
+        <p:nvPicPr>
+          <p:cNvPr id="72" name="图片 71">
+            <a:extLst>
+              <a:ext uri="{FF2B5EF4-FFF2-40B4-BE49-F238E27FC236}">
+                <a16:creationId xmlns:a16="http://schemas.microsoft.com/office/drawing/2014/main" id="{3800B429-E1A7-CBE3-2D0A-971AE1620A2D}"/>
+              </a:ext>
+            </a:extLst>
+          </p:cNvPr>
+          <p:cNvPicPr>
+            <a:picLocks noChangeAspect="1"/>
+          </p:cNvPicPr>
+          <p:nvPr/>
+        </p:nvPicPr>
+        <p:blipFill>
+          <a:blip r:embed="rId6"/>
+          <a:stretch>
+            <a:fillRect/>
+          </a:stretch>
+        </p:blipFill>
+        <p:spPr>
+          <a:xfrm>
+            <a:off x="10043788" y="4828289"/>
+            <a:ext cx="355600" cy="215900"/>
+          </a:xfrm>
+          <a:prstGeom prst="rect">
+            <a:avLst/>
+          </a:prstGeom>
+        </p:spPr>
+      </p:pic>
+      <p:sp>
+        <p:nvSpPr>
+          <p:cNvPr id="74" name="圆角矩形 73">
+            <a:extLst>
+              <a:ext uri="{FF2B5EF4-FFF2-40B4-BE49-F238E27FC236}">
+                <a16:creationId xmlns:a16="http://schemas.microsoft.com/office/drawing/2014/main" id="{746E5186-BABF-7037-EF4A-AE129225B2F7}"/>
+              </a:ext>
+            </a:extLst>
+          </p:cNvPr>
+          <p:cNvSpPr/>
+          <p:nvPr/>
+        </p:nvSpPr>
+        <p:spPr>
+          <a:xfrm>
+            <a:off x="6645067" y="4773894"/>
+            <a:ext cx="1276953" cy="324180"/>
+          </a:xfrm>
+          <a:prstGeom prst="roundRect">
+            <a:avLst/>
+          </a:prstGeom>
+        </p:spPr>
+        <p:style>
+          <a:lnRef idx="2">
+            <a:schemeClr val="accent3"/>
+          </a:lnRef>
+          <a:fillRef idx="1">
+            <a:schemeClr val="lt1"/>
+          </a:fillRef>
+          <a:effectRef idx="0">
+            <a:schemeClr val="accent3"/>
+          </a:effectRef>
+          <a:fontRef idx="minor">
+            <a:schemeClr val="dk1"/>
+          </a:fontRef>
+        </p:style>
+        <p:txBody>
+          <a:bodyPr rtlCol="0" anchor="ctr"/>
+          <a:lstStyle/>
+          <a:p>
+            <a:pPr algn="ctr" defTabSz="914433"/>
+            <a:endParaRPr kumimoji="1" lang="zh-CN" altLang="en-US" sz="3202">
+              <a:solidFill>
+                <a:prstClr val="black"/>
+              </a:solidFill>
+              <a:latin typeface="等线" panose="020F0502020204030204"/>
+              <a:ea typeface="等线" panose="02010600030101010101" pitchFamily="2" charset="-122"/>
+            </a:endParaRPr>
+          </a:p>
+        </p:txBody>
+      </p:sp>
+      <p:pic>
+        <p:nvPicPr>
+          <p:cNvPr id="75" name="图片 74">
+            <a:extLst>
+              <a:ext uri="{FF2B5EF4-FFF2-40B4-BE49-F238E27FC236}">
+                <a16:creationId xmlns:a16="http://schemas.microsoft.com/office/drawing/2014/main" id="{97B70C37-7DC9-829E-043A-6781ED6753F0}"/>
+              </a:ext>
+            </a:extLst>
+          </p:cNvPr>
+          <p:cNvPicPr>
+            <a:picLocks noChangeAspect="1"/>
+          </p:cNvPicPr>
+          <p:nvPr/>
+        </p:nvPicPr>
+        <p:blipFill>
+          <a:blip r:embed="rId6"/>
+          <a:stretch>
+            <a:fillRect/>
+          </a:stretch>
+        </p:blipFill>
+        <p:spPr>
+          <a:xfrm>
+            <a:off x="7544532" y="4827737"/>
+            <a:ext cx="355600" cy="215900"/>
+          </a:xfrm>
+          <a:prstGeom prst="rect">
+            <a:avLst/>
+          </a:prstGeom>
+        </p:spPr>
+      </p:pic>
+      <p:sp>
+        <p:nvSpPr>
+          <p:cNvPr id="98" name="文本框 97">
+            <a:extLst>
+              <a:ext uri="{FF2B5EF4-FFF2-40B4-BE49-F238E27FC236}">
+                <a16:creationId xmlns:a16="http://schemas.microsoft.com/office/drawing/2014/main" id="{454E3B32-1A31-93EF-C8AF-44055FB509E5}"/>
               </a:ext>
             </a:extLst>
           </p:cNvPr>
@@ -31595,8 +32014,8 @@
         </p:nvSpPr>
         <p:spPr>
           <a:xfrm>
-            <a:off x="8547311" y="5958165"/>
-            <a:ext cx="745534" cy="230832"/>
+            <a:off x="6710911" y="4826856"/>
+            <a:ext cx="869336" cy="369332"/>
           </a:xfrm>
           <a:prstGeom prst="rect">
             <a:avLst/>
@@ -31613,18 +32032,85 @@
               <a:defRPr/>
             </a:pPr>
             <a:r>
-              <a:rPr lang="en-US" altLang="zh-CN" sz="900" b="1" dirty="0">
-                <a:solidFill>
-                  <a:srgbClr val="4472C4">
-                    <a:lumMod val="50000"/>
-                  </a:srgbClr>
-                </a:solidFill>
-                <a:latin typeface="微软雅黑" panose="020B0503020204020204" pitchFamily="34" charset="-122"/>
-                <a:ea typeface="微软雅黑" panose="020B0503020204020204" pitchFamily="34" charset="-122"/>
-                <a:sym typeface="微软雅黑" panose="020B0503020204020204" pitchFamily="34" charset="-122"/>
-              </a:rPr>
-              <a:t>default</a:t>
-            </a:r>
+              <a:rPr lang="en" altLang="zh-CN" sz="900" b="1" dirty="0">
+                <a:solidFill>
+                  <a:schemeClr val="tx1">
+                    <a:lumMod val="85000"/>
+                    <a:lumOff val="15000"/>
+                  </a:schemeClr>
+                </a:solidFill>
+                <a:effectLst/>
+                <a:latin typeface="Monaco" pitchFamily="2" charset="0"/>
+              </a:rPr>
+              <a:t>True</a:t>
+            </a:r>
+          </a:p>
+          <a:p>
+            <a:pPr defTabSz="914433">
+              <a:defRPr/>
+            </a:pPr>
+            <a:endParaRPr lang="zh-CN" altLang="en-US" sz="900" b="1" dirty="0">
+              <a:solidFill>
+                <a:srgbClr val="4472C4">
+                  <a:lumMod val="50000"/>
+                </a:srgbClr>
+              </a:solidFill>
+              <a:latin typeface="微软雅黑" panose="020B0503020204020204" pitchFamily="34" charset="-122"/>
+              <a:ea typeface="微软雅黑" panose="020B0503020204020204" pitchFamily="34" charset="-122"/>
+              <a:sym typeface="微软雅黑" panose="020B0503020204020204" pitchFamily="34" charset="-122"/>
+            </a:endParaRPr>
+          </a:p>
+        </p:txBody>
+      </p:sp>
+      <p:sp>
+        <p:nvSpPr>
+          <p:cNvPr id="99" name="文本框 98">
+            <a:extLst>
+              <a:ext uri="{FF2B5EF4-FFF2-40B4-BE49-F238E27FC236}">
+                <a16:creationId xmlns:a16="http://schemas.microsoft.com/office/drawing/2014/main" id="{4C4DD448-F494-F855-4961-FBC22CA0E32D}"/>
+              </a:ext>
+            </a:extLst>
+          </p:cNvPr>
+          <p:cNvSpPr txBox="1"/>
+          <p:nvPr/>
+        </p:nvSpPr>
+        <p:spPr>
+          <a:xfrm>
+            <a:off x="9187296" y="4831634"/>
+            <a:ext cx="869336" cy="369332"/>
+          </a:xfrm>
+          <a:prstGeom prst="rect">
+            <a:avLst/>
+          </a:prstGeom>
+          <a:noFill/>
+        </p:spPr>
+        <p:txBody>
+          <a:bodyPr wrap="square" rtlCol="0">
+            <a:spAutoFit/>
+          </a:bodyPr>
+          <a:lstStyle/>
+          <a:p>
+            <a:pPr defTabSz="914433">
+              <a:defRPr/>
+            </a:pPr>
+            <a:r>
+              <a:rPr lang="en" altLang="zh-CN" sz="900" b="1" dirty="0">
+                <a:solidFill>
+                  <a:schemeClr val="tx1">
+                    <a:lumMod val="85000"/>
+                    <a:lumOff val="15000"/>
+                  </a:schemeClr>
+                </a:solidFill>
+                <a:effectLst/>
+                <a:latin typeface="Monaco" pitchFamily="2" charset="0"/>
+              </a:rPr>
+              <a:t>False</a:t>
+            </a:r>
+          </a:p>
+          <a:p>
+            <a:pPr defTabSz="914433">
+              <a:defRPr/>
+            </a:pPr>
             <a:endParaRPr lang="zh-CN" altLang="en-US" sz="900" b="1" dirty="0">
               <a:solidFill>
                 <a:srgbClr val="4472C4">

--- a/omic_analysis/组学分析功能页面参考.pptx
+++ b/omic_analysis/组学分析功能页面参考.pptx
@@ -251,7 +251,7 @@
           <a:p>
             <a:fld id="{3E73DA82-0082-2445-BF22-418BB184E2E3}" type="datetimeFigureOut">
               <a:rPr kumimoji="1" lang="zh-CN" altLang="en-US" smtClean="0"/>
-              <a:t>2024/1/14</a:t>
+              <a:t>2024/1/18</a:t>
             </a:fld>
             <a:endParaRPr kumimoji="1" lang="zh-CN" altLang="en-US"/>
           </a:p>
@@ -421,7 +421,7 @@
           <a:p>
             <a:fld id="{3E73DA82-0082-2445-BF22-418BB184E2E3}" type="datetimeFigureOut">
               <a:rPr kumimoji="1" lang="zh-CN" altLang="en-US" smtClean="0"/>
-              <a:t>2024/1/14</a:t>
+              <a:t>2024/1/18</a:t>
             </a:fld>
             <a:endParaRPr kumimoji="1" lang="zh-CN" altLang="en-US"/>
           </a:p>
@@ -601,7 +601,7 @@
           <a:p>
             <a:fld id="{3E73DA82-0082-2445-BF22-418BB184E2E3}" type="datetimeFigureOut">
               <a:rPr kumimoji="1" lang="zh-CN" altLang="en-US" smtClean="0"/>
-              <a:t>2024/1/14</a:t>
+              <a:t>2024/1/18</a:t>
             </a:fld>
             <a:endParaRPr kumimoji="1" lang="zh-CN" altLang="en-US"/>
           </a:p>
@@ -771,7 +771,7 @@
           <a:p>
             <a:fld id="{3E73DA82-0082-2445-BF22-418BB184E2E3}" type="datetimeFigureOut">
               <a:rPr kumimoji="1" lang="zh-CN" altLang="en-US" smtClean="0"/>
-              <a:t>2024/1/14</a:t>
+              <a:t>2024/1/18</a:t>
             </a:fld>
             <a:endParaRPr kumimoji="1" lang="zh-CN" altLang="en-US"/>
           </a:p>
@@ -1015,7 +1015,7 @@
           <a:p>
             <a:fld id="{3E73DA82-0082-2445-BF22-418BB184E2E3}" type="datetimeFigureOut">
               <a:rPr kumimoji="1" lang="zh-CN" altLang="en-US" smtClean="0"/>
-              <a:t>2024/1/14</a:t>
+              <a:t>2024/1/18</a:t>
             </a:fld>
             <a:endParaRPr kumimoji="1" lang="zh-CN" altLang="en-US"/>
           </a:p>
@@ -1247,7 +1247,7 @@
           <a:p>
             <a:fld id="{3E73DA82-0082-2445-BF22-418BB184E2E3}" type="datetimeFigureOut">
               <a:rPr kumimoji="1" lang="zh-CN" altLang="en-US" smtClean="0"/>
-              <a:t>2024/1/14</a:t>
+              <a:t>2024/1/18</a:t>
             </a:fld>
             <a:endParaRPr kumimoji="1" lang="zh-CN" altLang="en-US"/>
           </a:p>
@@ -1614,7 +1614,7 @@
           <a:p>
             <a:fld id="{3E73DA82-0082-2445-BF22-418BB184E2E3}" type="datetimeFigureOut">
               <a:rPr kumimoji="1" lang="zh-CN" altLang="en-US" smtClean="0"/>
-              <a:t>2024/1/14</a:t>
+              <a:t>2024/1/18</a:t>
             </a:fld>
             <a:endParaRPr kumimoji="1" lang="zh-CN" altLang="en-US"/>
           </a:p>
@@ -1732,7 +1732,7 @@
           <a:p>
             <a:fld id="{3E73DA82-0082-2445-BF22-418BB184E2E3}" type="datetimeFigureOut">
               <a:rPr kumimoji="1" lang="zh-CN" altLang="en-US" smtClean="0"/>
-              <a:t>2024/1/14</a:t>
+              <a:t>2024/1/18</a:t>
             </a:fld>
             <a:endParaRPr kumimoji="1" lang="zh-CN" altLang="en-US"/>
           </a:p>
@@ -1827,7 +1827,7 @@
           <a:p>
             <a:fld id="{3E73DA82-0082-2445-BF22-418BB184E2E3}" type="datetimeFigureOut">
               <a:rPr kumimoji="1" lang="zh-CN" altLang="en-US" smtClean="0"/>
-              <a:t>2024/1/14</a:t>
+              <a:t>2024/1/18</a:t>
             </a:fld>
             <a:endParaRPr kumimoji="1" lang="zh-CN" altLang="en-US"/>
           </a:p>
@@ -2104,7 +2104,7 @@
           <a:p>
             <a:fld id="{3E73DA82-0082-2445-BF22-418BB184E2E3}" type="datetimeFigureOut">
               <a:rPr kumimoji="1" lang="zh-CN" altLang="en-US" smtClean="0"/>
-              <a:t>2024/1/14</a:t>
+              <a:t>2024/1/18</a:t>
             </a:fld>
             <a:endParaRPr kumimoji="1" lang="zh-CN" altLang="en-US"/>
           </a:p>
@@ -2361,7 +2361,7 @@
           <a:p>
             <a:fld id="{3E73DA82-0082-2445-BF22-418BB184E2E3}" type="datetimeFigureOut">
               <a:rPr kumimoji="1" lang="zh-CN" altLang="en-US" smtClean="0"/>
-              <a:t>2024/1/14</a:t>
+              <a:t>2024/1/18</a:t>
             </a:fld>
             <a:endParaRPr kumimoji="1" lang="zh-CN" altLang="en-US"/>
           </a:p>
@@ -2574,7 +2574,7 @@
           <a:p>
             <a:fld id="{3E73DA82-0082-2445-BF22-418BB184E2E3}" type="datetimeFigureOut">
               <a:rPr kumimoji="1" lang="zh-CN" altLang="en-US" smtClean="0"/>
-              <a:t>2024/1/14</a:t>
+              <a:t>2024/1/18</a:t>
             </a:fld>
             <a:endParaRPr kumimoji="1" lang="zh-CN" altLang="en-US"/>
           </a:p>
@@ -26975,198 +26975,6 @@
           </a:p>
         </p:txBody>
       </p:sp>
-      <p:sp>
-        <p:nvSpPr>
-          <p:cNvPr id="15" name="矩形 14">
-            <a:extLst>
-              <a:ext uri="{FF2B5EF4-FFF2-40B4-BE49-F238E27FC236}">
-                <a16:creationId xmlns:a16="http://schemas.microsoft.com/office/drawing/2014/main" id="{6440C03F-0547-2B69-F77D-64C1B0441EC5}"/>
-              </a:ext>
-            </a:extLst>
-          </p:cNvPr>
-          <p:cNvSpPr/>
-          <p:nvPr/>
-        </p:nvSpPr>
-        <p:spPr>
-          <a:xfrm>
-            <a:off x="339375" y="1742706"/>
-            <a:ext cx="11480800" cy="14188821"/>
-          </a:xfrm>
-          <a:prstGeom prst="rect">
-            <a:avLst/>
-          </a:prstGeom>
-          <a:solidFill>
-            <a:schemeClr val="bg1"/>
-          </a:solidFill>
-          <a:ln w="6350">
-            <a:noFill/>
-          </a:ln>
-        </p:spPr>
-        <p:style>
-          <a:lnRef idx="2">
-            <a:schemeClr val="accent1">
-              <a:shade val="50000"/>
-            </a:schemeClr>
-          </a:lnRef>
-          <a:fillRef idx="1">
-            <a:schemeClr val="accent1"/>
-          </a:fillRef>
-          <a:effectRef idx="0">
-            <a:schemeClr val="accent1"/>
-          </a:effectRef>
-          <a:fontRef idx="minor">
-            <a:schemeClr val="lt1"/>
-          </a:fontRef>
-        </p:style>
-        <p:txBody>
-          <a:bodyPr rtlCol="0" anchor="ctr"/>
-          <a:lstStyle/>
-          <a:p>
-            <a:pPr marL="0" marR="0" lvl="0" indent="0" algn="ctr" defTabSz="914433" rtl="0" eaLnBrk="1" fontAlgn="auto" latinLnBrk="0" hangingPunct="1">
-              <a:lnSpc>
-                <a:spcPct val="100000"/>
-              </a:lnSpc>
-              <a:spcBef>
-                <a:spcPts val="0"/>
-              </a:spcBef>
-              <a:spcAft>
-                <a:spcPts val="0"/>
-              </a:spcAft>
-              <a:buClrTx/>
-              <a:buSzTx/>
-              <a:buFontTx/>
-              <a:buNone/>
-              <a:tabLst/>
-              <a:defRPr/>
-            </a:pPr>
-            <a:endParaRPr kumimoji="0" lang="en-US" altLang="zh-CN" sz="1600" b="1" i="0" u="none" strike="noStrike" kern="1200" cap="none" spc="0" normalizeH="0" baseline="0" noProof="0" dirty="0">
-              <a:ln>
-                <a:noFill/>
-              </a:ln>
-              <a:solidFill>
-                <a:srgbClr val="4472C4">
-                  <a:lumMod val="75000"/>
-                </a:srgbClr>
-              </a:solidFill>
-              <a:effectLst/>
-              <a:uLnTx/>
-              <a:uFillTx/>
-              <a:latin typeface="微软雅黑" panose="020B0503020204020204" pitchFamily="34" charset="-122"/>
-              <a:ea typeface="微软雅黑" panose="020B0503020204020204" pitchFamily="34" charset="-122"/>
-              <a:cs typeface="+mn-cs"/>
-              <a:sym typeface="微软雅黑" panose="020B0503020204020204" pitchFamily="34" charset="-122"/>
-            </a:endParaRPr>
-          </a:p>
-          <a:p>
-            <a:pPr marL="0" marR="0" lvl="0" indent="0" algn="ctr" defTabSz="914433" rtl="0" eaLnBrk="1" fontAlgn="auto" latinLnBrk="0" hangingPunct="1">
-              <a:lnSpc>
-                <a:spcPct val="100000"/>
-              </a:lnSpc>
-              <a:spcBef>
-                <a:spcPts val="0"/>
-              </a:spcBef>
-              <a:spcAft>
-                <a:spcPts val="0"/>
-              </a:spcAft>
-              <a:buClrTx/>
-              <a:buSzTx/>
-              <a:buFontTx/>
-              <a:buNone/>
-              <a:tabLst/>
-              <a:defRPr/>
-            </a:pPr>
-            <a:endParaRPr kumimoji="0" lang="en-US" altLang="zh-CN" sz="1600" b="1" i="0" u="none" strike="noStrike" kern="1200" cap="none" spc="0" normalizeH="0" baseline="0" noProof="0" dirty="0">
-              <a:ln>
-                <a:noFill/>
-              </a:ln>
-              <a:solidFill>
-                <a:srgbClr val="4472C4">
-                  <a:lumMod val="75000"/>
-                </a:srgbClr>
-              </a:solidFill>
-              <a:effectLst/>
-              <a:uLnTx/>
-              <a:uFillTx/>
-              <a:latin typeface="微软雅黑" panose="020B0503020204020204" pitchFamily="34" charset="-122"/>
-              <a:ea typeface="微软雅黑" panose="020B0503020204020204" pitchFamily="34" charset="-122"/>
-              <a:cs typeface="+mn-cs"/>
-              <a:sym typeface="微软雅黑" panose="020B0503020204020204" pitchFamily="34" charset="-122"/>
-            </a:endParaRPr>
-          </a:p>
-          <a:p>
-            <a:pPr marL="0" marR="0" lvl="0" indent="0" algn="ctr" defTabSz="914433" rtl="0" eaLnBrk="1" fontAlgn="auto" latinLnBrk="0" hangingPunct="1">
-              <a:lnSpc>
-                <a:spcPct val="100000"/>
-              </a:lnSpc>
-              <a:spcBef>
-                <a:spcPts val="0"/>
-              </a:spcBef>
-              <a:spcAft>
-                <a:spcPts val="0"/>
-              </a:spcAft>
-              <a:buClrTx/>
-              <a:buSzTx/>
-              <a:buFontTx/>
-              <a:buNone/>
-              <a:tabLst/>
-              <a:defRPr/>
-            </a:pPr>
-            <a:endParaRPr kumimoji="0" lang="en-US" altLang="zh-CN" sz="1600" b="1" i="0" u="none" strike="noStrike" kern="1200" cap="none" spc="0" normalizeH="0" baseline="0" noProof="0" dirty="0">
-              <a:ln>
-                <a:noFill/>
-              </a:ln>
-              <a:solidFill>
-                <a:srgbClr val="4472C4">
-                  <a:lumMod val="75000"/>
-                </a:srgbClr>
-              </a:solidFill>
-              <a:effectLst/>
-              <a:uLnTx/>
-              <a:uFillTx/>
-              <a:latin typeface="微软雅黑" panose="020B0503020204020204" pitchFamily="34" charset="-122"/>
-              <a:ea typeface="微软雅黑" panose="020B0503020204020204" pitchFamily="34" charset="-122"/>
-              <a:cs typeface="+mn-cs"/>
-              <a:sym typeface="微软雅黑" panose="020B0503020204020204" pitchFamily="34" charset="-122"/>
-            </a:endParaRPr>
-          </a:p>
-          <a:p>
-            <a:pPr marL="0" marR="0" lvl="0" indent="0" algn="ctr" defTabSz="914433" rtl="0" eaLnBrk="1" fontAlgn="auto" latinLnBrk="0" hangingPunct="1">
-              <a:lnSpc>
-                <a:spcPct val="100000"/>
-              </a:lnSpc>
-              <a:spcBef>
-                <a:spcPts val="0"/>
-              </a:spcBef>
-              <a:spcAft>
-                <a:spcPts val="0"/>
-              </a:spcAft>
-              <a:buClrTx/>
-              <a:buSzTx/>
-              <a:buFontTx/>
-              <a:buNone/>
-              <a:tabLst/>
-              <a:defRPr/>
-            </a:pPr>
-            <a:endParaRPr kumimoji="0" lang="en-US" altLang="zh-CN" sz="1600" b="1" i="0" u="none" strike="noStrike" kern="1200" cap="none" spc="0" normalizeH="0" baseline="0" noProof="0" dirty="0">
-              <a:ln>
-                <a:noFill/>
-              </a:ln>
-              <a:solidFill>
-                <a:srgbClr val="4472C4">
-                  <a:lumMod val="75000"/>
-                </a:srgbClr>
-              </a:solidFill>
-              <a:effectLst/>
-              <a:uLnTx/>
-              <a:uFillTx/>
-              <a:latin typeface="微软雅黑" panose="020B0503020204020204" pitchFamily="34" charset="-122"/>
-              <a:ea typeface="微软雅黑" panose="020B0503020204020204" pitchFamily="34" charset="-122"/>
-              <a:cs typeface="+mn-cs"/>
-              <a:sym typeface="微软雅黑" panose="020B0503020204020204" pitchFamily="34" charset="-122"/>
-            </a:endParaRPr>
-          </a:p>
-        </p:txBody>
-      </p:sp>
     </p:spTree>
     <p:extLst>
       <p:ext uri="{BB962C8B-B14F-4D97-AF65-F5344CB8AC3E}">
@@ -27208,6 +27016,198 @@
           <a:chExt cx="0" cy="0"/>
         </a:xfrm>
       </p:grpSpPr>
+      <p:sp>
+        <p:nvSpPr>
+          <p:cNvPr id="28" name="矩形 27">
+            <a:extLst>
+              <a:ext uri="{FF2B5EF4-FFF2-40B4-BE49-F238E27FC236}">
+                <a16:creationId xmlns:a16="http://schemas.microsoft.com/office/drawing/2014/main" id="{0048B459-84BF-0152-9592-E7F87DE446E3}"/>
+              </a:ext>
+            </a:extLst>
+          </p:cNvPr>
+          <p:cNvSpPr/>
+          <p:nvPr/>
+        </p:nvSpPr>
+        <p:spPr>
+          <a:xfrm>
+            <a:off x="339375" y="1742706"/>
+            <a:ext cx="11480800" cy="14188821"/>
+          </a:xfrm>
+          <a:prstGeom prst="rect">
+            <a:avLst/>
+          </a:prstGeom>
+          <a:solidFill>
+            <a:schemeClr val="bg1"/>
+          </a:solidFill>
+          <a:ln w="6350">
+            <a:noFill/>
+          </a:ln>
+        </p:spPr>
+        <p:style>
+          <a:lnRef idx="2">
+            <a:schemeClr val="accent1">
+              <a:shade val="50000"/>
+            </a:schemeClr>
+          </a:lnRef>
+          <a:fillRef idx="1">
+            <a:schemeClr val="accent1"/>
+          </a:fillRef>
+          <a:effectRef idx="0">
+            <a:schemeClr val="accent1"/>
+          </a:effectRef>
+          <a:fontRef idx="minor">
+            <a:schemeClr val="lt1"/>
+          </a:fontRef>
+        </p:style>
+        <p:txBody>
+          <a:bodyPr rtlCol="0" anchor="ctr"/>
+          <a:lstStyle/>
+          <a:p>
+            <a:pPr marL="0" marR="0" lvl="0" indent="0" algn="ctr" defTabSz="914433" rtl="0" eaLnBrk="1" fontAlgn="auto" latinLnBrk="0" hangingPunct="1">
+              <a:lnSpc>
+                <a:spcPct val="100000"/>
+              </a:lnSpc>
+              <a:spcBef>
+                <a:spcPts val="0"/>
+              </a:spcBef>
+              <a:spcAft>
+                <a:spcPts val="0"/>
+              </a:spcAft>
+              <a:buClrTx/>
+              <a:buSzTx/>
+              <a:buFontTx/>
+              <a:buNone/>
+              <a:tabLst/>
+              <a:defRPr/>
+            </a:pPr>
+            <a:endParaRPr kumimoji="0" lang="en-US" altLang="zh-CN" sz="1600" b="1" i="0" u="none" strike="noStrike" kern="1200" cap="none" spc="0" normalizeH="0" baseline="0" noProof="0" dirty="0">
+              <a:ln>
+                <a:noFill/>
+              </a:ln>
+              <a:solidFill>
+                <a:srgbClr val="4472C4">
+                  <a:lumMod val="75000"/>
+                </a:srgbClr>
+              </a:solidFill>
+              <a:effectLst/>
+              <a:uLnTx/>
+              <a:uFillTx/>
+              <a:latin typeface="微软雅黑" panose="020B0503020204020204" pitchFamily="34" charset="-122"/>
+              <a:ea typeface="微软雅黑" panose="020B0503020204020204" pitchFamily="34" charset="-122"/>
+              <a:cs typeface="+mn-cs"/>
+              <a:sym typeface="微软雅黑" panose="020B0503020204020204" pitchFamily="34" charset="-122"/>
+            </a:endParaRPr>
+          </a:p>
+          <a:p>
+            <a:pPr marL="0" marR="0" lvl="0" indent="0" algn="ctr" defTabSz="914433" rtl="0" eaLnBrk="1" fontAlgn="auto" latinLnBrk="0" hangingPunct="1">
+              <a:lnSpc>
+                <a:spcPct val="100000"/>
+              </a:lnSpc>
+              <a:spcBef>
+                <a:spcPts val="0"/>
+              </a:spcBef>
+              <a:spcAft>
+                <a:spcPts val="0"/>
+              </a:spcAft>
+              <a:buClrTx/>
+              <a:buSzTx/>
+              <a:buFontTx/>
+              <a:buNone/>
+              <a:tabLst/>
+              <a:defRPr/>
+            </a:pPr>
+            <a:endParaRPr kumimoji="0" lang="en-US" altLang="zh-CN" sz="1600" b="1" i="0" u="none" strike="noStrike" kern="1200" cap="none" spc="0" normalizeH="0" baseline="0" noProof="0" dirty="0">
+              <a:ln>
+                <a:noFill/>
+              </a:ln>
+              <a:solidFill>
+                <a:srgbClr val="4472C4">
+                  <a:lumMod val="75000"/>
+                </a:srgbClr>
+              </a:solidFill>
+              <a:effectLst/>
+              <a:uLnTx/>
+              <a:uFillTx/>
+              <a:latin typeface="微软雅黑" panose="020B0503020204020204" pitchFamily="34" charset="-122"/>
+              <a:ea typeface="微软雅黑" panose="020B0503020204020204" pitchFamily="34" charset="-122"/>
+              <a:cs typeface="+mn-cs"/>
+              <a:sym typeface="微软雅黑" panose="020B0503020204020204" pitchFamily="34" charset="-122"/>
+            </a:endParaRPr>
+          </a:p>
+          <a:p>
+            <a:pPr marL="0" marR="0" lvl="0" indent="0" algn="ctr" defTabSz="914433" rtl="0" eaLnBrk="1" fontAlgn="auto" latinLnBrk="0" hangingPunct="1">
+              <a:lnSpc>
+                <a:spcPct val="100000"/>
+              </a:lnSpc>
+              <a:spcBef>
+                <a:spcPts val="0"/>
+              </a:spcBef>
+              <a:spcAft>
+                <a:spcPts val="0"/>
+              </a:spcAft>
+              <a:buClrTx/>
+              <a:buSzTx/>
+              <a:buFontTx/>
+              <a:buNone/>
+              <a:tabLst/>
+              <a:defRPr/>
+            </a:pPr>
+            <a:endParaRPr kumimoji="0" lang="en-US" altLang="zh-CN" sz="1600" b="1" i="0" u="none" strike="noStrike" kern="1200" cap="none" spc="0" normalizeH="0" baseline="0" noProof="0" dirty="0">
+              <a:ln>
+                <a:noFill/>
+              </a:ln>
+              <a:solidFill>
+                <a:srgbClr val="4472C4">
+                  <a:lumMod val="75000"/>
+                </a:srgbClr>
+              </a:solidFill>
+              <a:effectLst/>
+              <a:uLnTx/>
+              <a:uFillTx/>
+              <a:latin typeface="微软雅黑" panose="020B0503020204020204" pitchFamily="34" charset="-122"/>
+              <a:ea typeface="微软雅黑" panose="020B0503020204020204" pitchFamily="34" charset="-122"/>
+              <a:cs typeface="+mn-cs"/>
+              <a:sym typeface="微软雅黑" panose="020B0503020204020204" pitchFamily="34" charset="-122"/>
+            </a:endParaRPr>
+          </a:p>
+          <a:p>
+            <a:pPr marL="0" marR="0" lvl="0" indent="0" algn="ctr" defTabSz="914433" rtl="0" eaLnBrk="1" fontAlgn="auto" latinLnBrk="0" hangingPunct="1">
+              <a:lnSpc>
+                <a:spcPct val="100000"/>
+              </a:lnSpc>
+              <a:spcBef>
+                <a:spcPts val="0"/>
+              </a:spcBef>
+              <a:spcAft>
+                <a:spcPts val="0"/>
+              </a:spcAft>
+              <a:buClrTx/>
+              <a:buSzTx/>
+              <a:buFontTx/>
+              <a:buNone/>
+              <a:tabLst/>
+              <a:defRPr/>
+            </a:pPr>
+            <a:endParaRPr kumimoji="0" lang="en-US" altLang="zh-CN" sz="1600" b="1" i="0" u="none" strike="noStrike" kern="1200" cap="none" spc="0" normalizeH="0" baseline="0" noProof="0" dirty="0">
+              <a:ln>
+                <a:noFill/>
+              </a:ln>
+              <a:solidFill>
+                <a:srgbClr val="4472C4">
+                  <a:lumMod val="75000"/>
+                </a:srgbClr>
+              </a:solidFill>
+              <a:effectLst/>
+              <a:uLnTx/>
+              <a:uFillTx/>
+              <a:latin typeface="微软雅黑" panose="020B0503020204020204" pitchFamily="34" charset="-122"/>
+              <a:ea typeface="微软雅黑" panose="020B0503020204020204" pitchFamily="34" charset="-122"/>
+              <a:cs typeface="+mn-cs"/>
+              <a:sym typeface="微软雅黑" panose="020B0503020204020204" pitchFamily="34" charset="-122"/>
+            </a:endParaRPr>
+          </a:p>
+        </p:txBody>
+      </p:sp>
       <p:sp>
         <p:nvSpPr>
           <p:cNvPr id="15" name="矩形 14">

--- a/omic_analysis/组学分析功能页面参考.pptx
+++ b/omic_analysis/组学分析功能页面参考.pptx
@@ -251,7 +251,7 @@
           <a:p>
             <a:fld id="{3E73DA82-0082-2445-BF22-418BB184E2E3}" type="datetimeFigureOut">
               <a:rPr kumimoji="1" lang="zh-CN" altLang="en-US" smtClean="0"/>
-              <a:t>2024/1/18</a:t>
+              <a:t>2024/1/19</a:t>
             </a:fld>
             <a:endParaRPr kumimoji="1" lang="zh-CN" altLang="en-US"/>
           </a:p>
@@ -421,7 +421,7 @@
           <a:p>
             <a:fld id="{3E73DA82-0082-2445-BF22-418BB184E2E3}" type="datetimeFigureOut">
               <a:rPr kumimoji="1" lang="zh-CN" altLang="en-US" smtClean="0"/>
-              <a:t>2024/1/18</a:t>
+              <a:t>2024/1/19</a:t>
             </a:fld>
             <a:endParaRPr kumimoji="1" lang="zh-CN" altLang="en-US"/>
           </a:p>
@@ -601,7 +601,7 @@
           <a:p>
             <a:fld id="{3E73DA82-0082-2445-BF22-418BB184E2E3}" type="datetimeFigureOut">
               <a:rPr kumimoji="1" lang="zh-CN" altLang="en-US" smtClean="0"/>
-              <a:t>2024/1/18</a:t>
+              <a:t>2024/1/19</a:t>
             </a:fld>
             <a:endParaRPr kumimoji="1" lang="zh-CN" altLang="en-US"/>
           </a:p>
@@ -771,7 +771,7 @@
           <a:p>
             <a:fld id="{3E73DA82-0082-2445-BF22-418BB184E2E3}" type="datetimeFigureOut">
               <a:rPr kumimoji="1" lang="zh-CN" altLang="en-US" smtClean="0"/>
-              <a:t>2024/1/18</a:t>
+              <a:t>2024/1/19</a:t>
             </a:fld>
             <a:endParaRPr kumimoji="1" lang="zh-CN" altLang="en-US"/>
           </a:p>
@@ -1015,7 +1015,7 @@
           <a:p>
             <a:fld id="{3E73DA82-0082-2445-BF22-418BB184E2E3}" type="datetimeFigureOut">
               <a:rPr kumimoji="1" lang="zh-CN" altLang="en-US" smtClean="0"/>
-              <a:t>2024/1/18</a:t>
+              <a:t>2024/1/19</a:t>
             </a:fld>
             <a:endParaRPr kumimoji="1" lang="zh-CN" altLang="en-US"/>
           </a:p>
@@ -1247,7 +1247,7 @@
           <a:p>
             <a:fld id="{3E73DA82-0082-2445-BF22-418BB184E2E3}" type="datetimeFigureOut">
               <a:rPr kumimoji="1" lang="zh-CN" altLang="en-US" smtClean="0"/>
-              <a:t>2024/1/18</a:t>
+              <a:t>2024/1/19</a:t>
             </a:fld>
             <a:endParaRPr kumimoji="1" lang="zh-CN" altLang="en-US"/>
           </a:p>
@@ -1614,7 +1614,7 @@
           <a:p>
             <a:fld id="{3E73DA82-0082-2445-BF22-418BB184E2E3}" type="datetimeFigureOut">
               <a:rPr kumimoji="1" lang="zh-CN" altLang="en-US" smtClean="0"/>
-              <a:t>2024/1/18</a:t>
+              <a:t>2024/1/19</a:t>
             </a:fld>
             <a:endParaRPr kumimoji="1" lang="zh-CN" altLang="en-US"/>
           </a:p>
@@ -1732,7 +1732,7 @@
           <a:p>
             <a:fld id="{3E73DA82-0082-2445-BF22-418BB184E2E3}" type="datetimeFigureOut">
               <a:rPr kumimoji="1" lang="zh-CN" altLang="en-US" smtClean="0"/>
-              <a:t>2024/1/18</a:t>
+              <a:t>2024/1/19</a:t>
             </a:fld>
             <a:endParaRPr kumimoji="1" lang="zh-CN" altLang="en-US"/>
           </a:p>
@@ -1827,7 +1827,7 @@
           <a:p>
             <a:fld id="{3E73DA82-0082-2445-BF22-418BB184E2E3}" type="datetimeFigureOut">
               <a:rPr kumimoji="1" lang="zh-CN" altLang="en-US" smtClean="0"/>
-              <a:t>2024/1/18</a:t>
+              <a:t>2024/1/19</a:t>
             </a:fld>
             <a:endParaRPr kumimoji="1" lang="zh-CN" altLang="en-US"/>
           </a:p>
@@ -2104,7 +2104,7 @@
           <a:p>
             <a:fld id="{3E73DA82-0082-2445-BF22-418BB184E2E3}" type="datetimeFigureOut">
               <a:rPr kumimoji="1" lang="zh-CN" altLang="en-US" smtClean="0"/>
-              <a:t>2024/1/18</a:t>
+              <a:t>2024/1/19</a:t>
             </a:fld>
             <a:endParaRPr kumimoji="1" lang="zh-CN" altLang="en-US"/>
           </a:p>
@@ -2361,7 +2361,7 @@
           <a:p>
             <a:fld id="{3E73DA82-0082-2445-BF22-418BB184E2E3}" type="datetimeFigureOut">
               <a:rPr kumimoji="1" lang="zh-CN" altLang="en-US" smtClean="0"/>
-              <a:t>2024/1/18</a:t>
+              <a:t>2024/1/19</a:t>
             </a:fld>
             <a:endParaRPr kumimoji="1" lang="zh-CN" altLang="en-US"/>
           </a:p>
@@ -2574,7 +2574,7 @@
           <a:p>
             <a:fld id="{3E73DA82-0082-2445-BF22-418BB184E2E3}" type="datetimeFigureOut">
               <a:rPr kumimoji="1" lang="zh-CN" altLang="en-US" smtClean="0"/>
-              <a:t>2024/1/18</a:t>
+              <a:t>2024/1/19</a:t>
             </a:fld>
             <a:endParaRPr kumimoji="1" lang="zh-CN" altLang="en-US"/>
           </a:p>

--- a/omic_analysis/组学分析功能页面参考.pptx
+++ b/omic_analysis/组学分析功能页面参考.pptx
@@ -251,7 +251,7 @@
           <a:p>
             <a:fld id="{3E73DA82-0082-2445-BF22-418BB184E2E3}" type="datetimeFigureOut">
               <a:rPr kumimoji="1" lang="zh-CN" altLang="en-US" smtClean="0"/>
-              <a:t>2024/1/19</a:t>
+              <a:t>2024/1/24</a:t>
             </a:fld>
             <a:endParaRPr kumimoji="1" lang="zh-CN" altLang="en-US"/>
           </a:p>
@@ -421,7 +421,7 @@
           <a:p>
             <a:fld id="{3E73DA82-0082-2445-BF22-418BB184E2E3}" type="datetimeFigureOut">
               <a:rPr kumimoji="1" lang="zh-CN" altLang="en-US" smtClean="0"/>
-              <a:t>2024/1/19</a:t>
+              <a:t>2024/1/24</a:t>
             </a:fld>
             <a:endParaRPr kumimoji="1" lang="zh-CN" altLang="en-US"/>
           </a:p>
@@ -601,7 +601,7 @@
           <a:p>
             <a:fld id="{3E73DA82-0082-2445-BF22-418BB184E2E3}" type="datetimeFigureOut">
               <a:rPr kumimoji="1" lang="zh-CN" altLang="en-US" smtClean="0"/>
-              <a:t>2024/1/19</a:t>
+              <a:t>2024/1/24</a:t>
             </a:fld>
             <a:endParaRPr kumimoji="1" lang="zh-CN" altLang="en-US"/>
           </a:p>
@@ -771,7 +771,7 @@
           <a:p>
             <a:fld id="{3E73DA82-0082-2445-BF22-418BB184E2E3}" type="datetimeFigureOut">
               <a:rPr kumimoji="1" lang="zh-CN" altLang="en-US" smtClean="0"/>
-              <a:t>2024/1/19</a:t>
+              <a:t>2024/1/24</a:t>
             </a:fld>
             <a:endParaRPr kumimoji="1" lang="zh-CN" altLang="en-US"/>
           </a:p>
@@ -1015,7 +1015,7 @@
           <a:p>
             <a:fld id="{3E73DA82-0082-2445-BF22-418BB184E2E3}" type="datetimeFigureOut">
               <a:rPr kumimoji="1" lang="zh-CN" altLang="en-US" smtClean="0"/>
-              <a:t>2024/1/19</a:t>
+              <a:t>2024/1/24</a:t>
             </a:fld>
             <a:endParaRPr kumimoji="1" lang="zh-CN" altLang="en-US"/>
           </a:p>
@@ -1247,7 +1247,7 @@
           <a:p>
             <a:fld id="{3E73DA82-0082-2445-BF22-418BB184E2E3}" type="datetimeFigureOut">
               <a:rPr kumimoji="1" lang="zh-CN" altLang="en-US" smtClean="0"/>
-              <a:t>2024/1/19</a:t>
+              <a:t>2024/1/24</a:t>
             </a:fld>
             <a:endParaRPr kumimoji="1" lang="zh-CN" altLang="en-US"/>
           </a:p>
@@ -1614,7 +1614,7 @@
           <a:p>
             <a:fld id="{3E73DA82-0082-2445-BF22-418BB184E2E3}" type="datetimeFigureOut">
               <a:rPr kumimoji="1" lang="zh-CN" altLang="en-US" smtClean="0"/>
-              <a:t>2024/1/19</a:t>
+              <a:t>2024/1/24</a:t>
             </a:fld>
             <a:endParaRPr kumimoji="1" lang="zh-CN" altLang="en-US"/>
           </a:p>
@@ -1732,7 +1732,7 @@
           <a:p>
             <a:fld id="{3E73DA82-0082-2445-BF22-418BB184E2E3}" type="datetimeFigureOut">
               <a:rPr kumimoji="1" lang="zh-CN" altLang="en-US" smtClean="0"/>
-              <a:t>2024/1/19</a:t>
+              <a:t>2024/1/24</a:t>
             </a:fld>
             <a:endParaRPr kumimoji="1" lang="zh-CN" altLang="en-US"/>
           </a:p>
@@ -1827,7 +1827,7 @@
           <a:p>
             <a:fld id="{3E73DA82-0082-2445-BF22-418BB184E2E3}" type="datetimeFigureOut">
               <a:rPr kumimoji="1" lang="zh-CN" altLang="en-US" smtClean="0"/>
-              <a:t>2024/1/19</a:t>
+              <a:t>2024/1/24</a:t>
             </a:fld>
             <a:endParaRPr kumimoji="1" lang="zh-CN" altLang="en-US"/>
           </a:p>
@@ -2104,7 +2104,7 @@
           <a:p>
             <a:fld id="{3E73DA82-0082-2445-BF22-418BB184E2E3}" type="datetimeFigureOut">
               <a:rPr kumimoji="1" lang="zh-CN" altLang="en-US" smtClean="0"/>
-              <a:t>2024/1/19</a:t>
+              <a:t>2024/1/24</a:t>
             </a:fld>
             <a:endParaRPr kumimoji="1" lang="zh-CN" altLang="en-US"/>
           </a:p>
@@ -2361,7 +2361,7 @@
           <a:p>
             <a:fld id="{3E73DA82-0082-2445-BF22-418BB184E2E3}" type="datetimeFigureOut">
               <a:rPr kumimoji="1" lang="zh-CN" altLang="en-US" smtClean="0"/>
-              <a:t>2024/1/19</a:t>
+              <a:t>2024/1/24</a:t>
             </a:fld>
             <a:endParaRPr kumimoji="1" lang="zh-CN" altLang="en-US"/>
           </a:p>
@@ -2574,7 +2574,7 @@
           <a:p>
             <a:fld id="{3E73DA82-0082-2445-BF22-418BB184E2E3}" type="datetimeFigureOut">
               <a:rPr kumimoji="1" lang="zh-CN" altLang="en-US" smtClean="0"/>
-              <a:t>2024/1/19</a:t>
+              <a:t>2024/1/24</a:t>
             </a:fld>
             <a:endParaRPr kumimoji="1" lang="zh-CN" altLang="en-US"/>
           </a:p>
